--- a/teaching/spring2025-intro-to-complexity/a12-randomization.pptx
+++ b/teaching/spring2025-intro-to-complexity/a12-randomization.pptx
@@ -5,7 +5,7 @@
     <p:sldMasterId id="2147483648" r:id="rId1"/>
   </p:sldMasterIdLst>
   <p:notesMasterIdLst>
-    <p:notesMasterId r:id="rId27"/>
+    <p:notesMasterId r:id="rId26"/>
   </p:notesMasterIdLst>
   <p:sldIdLst>
     <p:sldId id="400" r:id="rId2"/>
@@ -27,17 +27,16 @@
     <p:sldId id="972" r:id="rId18"/>
     <p:sldId id="714" r:id="rId19"/>
     <p:sldId id="984" r:id="rId20"/>
-    <p:sldId id="958" r:id="rId21"/>
-    <p:sldId id="985" r:id="rId22"/>
-    <p:sldId id="951" r:id="rId23"/>
-    <p:sldId id="983" r:id="rId24"/>
-    <p:sldId id="952" r:id="rId25"/>
-    <p:sldId id="977" r:id="rId26"/>
+    <p:sldId id="985" r:id="rId21"/>
+    <p:sldId id="951" r:id="rId22"/>
+    <p:sldId id="983" r:id="rId23"/>
+    <p:sldId id="952" r:id="rId24"/>
+    <p:sldId id="977" r:id="rId25"/>
   </p:sldIdLst>
   <p:sldSz cx="12192000" cy="6858000"/>
   <p:notesSz cx="6858000" cy="9144000"/>
   <p:custDataLst>
-    <p:tags r:id="rId28"/>
+    <p:tags r:id="rId27"/>
   </p:custDataLst>
   <p:defaultTextStyle>
     <a:defPPr>
@@ -663,7 +662,7 @@
           <a:p>
             <a:fld id="{A3A6803F-40F5-437E-BE1A-AAEA2518AA97}" type="slidenum">
               <a:rPr lang="en-US" smtClean="0"/>
-              <a:t>22</a:t>
+              <a:t>21</a:t>
             </a:fld>
             <a:endParaRPr lang="en-US"/>
           </a:p>
@@ -747,7 +746,7 @@
           <a:p>
             <a:fld id="{A3A6803F-40F5-437E-BE1A-AAEA2518AA97}" type="slidenum">
               <a:rPr lang="en-US" smtClean="0"/>
-              <a:t>24</a:t>
+              <a:t>23</a:t>
             </a:fld>
             <a:endParaRPr lang="en-US"/>
           </a:p>
@@ -15415,2668 +15414,6 @@
   <p:cSld>
     <p:spTree>
       <p:nvGrpSpPr>
-        <p:cNvPr id="1" name=""/>
-        <p:cNvGrpSpPr/>
-        <p:nvPr/>
-      </p:nvGrpSpPr>
-      <p:grpSpPr>
-        <a:xfrm>
-          <a:off x="0" y="0"/>
-          <a:ext cx="0" cy="0"/>
-          <a:chOff x="0" y="0"/>
-          <a:chExt cx="0" cy="0"/>
-        </a:xfrm>
-      </p:grpSpPr>
-      <p:sp>
-        <p:nvSpPr>
-          <p:cNvPr id="2" name="Title 1">
-            <a:extLst>
-              <a:ext uri="{FF2B5EF4-FFF2-40B4-BE49-F238E27FC236}">
-                <a16:creationId xmlns:a16="http://schemas.microsoft.com/office/drawing/2014/main" id="{1C65110C-E0B2-1B42-03B5-C0CF98C7FC3F}"/>
-              </a:ext>
-            </a:extLst>
-          </p:cNvPr>
-          <p:cNvSpPr>
-            <a:spLocks noGrp="1"/>
-          </p:cNvSpPr>
-          <p:nvPr>
-            <p:ph type="title"/>
-          </p:nvPr>
-        </p:nvSpPr>
-        <p:spPr/>
-        <p:txBody>
-          <a:bodyPr/>
-          <a:lstStyle/>
-          <a:p>
-            <a:r>
-              <a:rPr lang="en-US" dirty="0"/>
-              <a:t>Arithmetic formulas</a:t>
-            </a:r>
-          </a:p>
-        </p:txBody>
-      </p:sp>
-      <mc:AlternateContent xmlns:mc="http://schemas.openxmlformats.org/markup-compatibility/2006">
-        <mc:Choice xmlns:a14="http://schemas.microsoft.com/office/drawing/2010/main" Requires="a14">
-          <p:sp>
-            <p:nvSpPr>
-              <p:cNvPr id="3" name="Content Placeholder 2">
-                <a:extLst>
-                  <a:ext uri="{FF2B5EF4-FFF2-40B4-BE49-F238E27FC236}">
-                    <a16:creationId xmlns:a16="http://schemas.microsoft.com/office/drawing/2014/main" id="{D3347C53-5964-2011-477B-B127514052B6}"/>
-                  </a:ext>
-                </a:extLst>
-              </p:cNvPr>
-              <p:cNvSpPr>
-                <a:spLocks noGrp="1"/>
-              </p:cNvSpPr>
-              <p:nvPr>
-                <p:ph idx="1"/>
-              </p:nvPr>
-            </p:nvSpPr>
-            <p:spPr>
-              <a:xfrm>
-                <a:off x="668867" y="1690688"/>
-                <a:ext cx="10515600" cy="4351338"/>
-              </a:xfrm>
-            </p:spPr>
-            <p:txBody>
-              <a:bodyPr/>
-              <a:lstStyle/>
-              <a:p>
-                <a:r>
-                  <a:rPr lang="en-US" b="1" dirty="0"/>
-                  <a:t>Definition:</a:t>
-                </a:r>
-                <a:r>
-                  <a:rPr lang="en-US" dirty="0"/>
-                  <a:t> A </a:t>
-                </a:r>
-                <a14:m>
-                  <m:oMath xmlns:m="http://schemas.openxmlformats.org/officeDocument/2006/math">
-                    <m:r>
-                      <a:rPr lang="en-US" b="0" i="1" smtClean="0">
-                        <a:latin typeface="Cambria Math" panose="02040503050406030204" pitchFamily="18" charset="0"/>
-                      </a:rPr>
-                      <m:t>𝑘</m:t>
-                    </m:r>
-                  </m:oMath>
-                </a14:m>
-                <a:r>
-                  <a:rPr lang="en-US" dirty="0"/>
-                  <a:t>-variate </a:t>
-                </a:r>
-                <a:r>
-                  <a:rPr lang="en-US" dirty="0">
-                    <a:solidFill>
-                      <a:schemeClr val="accent1"/>
-                    </a:solidFill>
-                  </a:rPr>
-                  <a:t>arithmetic formula</a:t>
-                </a:r>
-                <a:r>
-                  <a:rPr lang="en-US" dirty="0"/>
-                  <a:t> is a rooted binary tree</a:t>
-                </a:r>
-              </a:p>
-              <a:p>
-                <a:pPr lvl="1"/>
-                <a:r>
-                  <a:rPr lang="en-US" dirty="0"/>
-                  <a:t>Each internal node is labeled with </a:t>
-                </a:r>
-                <a14:m>
-                  <m:oMath xmlns:m="http://schemas.openxmlformats.org/officeDocument/2006/math">
-                    <m:r>
-                      <a:rPr lang="en-US" b="0" i="1" smtClean="0">
-                        <a:latin typeface="Cambria Math" panose="02040503050406030204" pitchFamily="18" charset="0"/>
-                      </a:rPr>
-                      <m:t>+</m:t>
-                    </m:r>
-                  </m:oMath>
-                </a14:m>
-                <a:r>
-                  <a:rPr lang="en-US" dirty="0"/>
-                  <a:t> or </a:t>
-                </a:r>
-                <a14:m>
-                  <m:oMath xmlns:m="http://schemas.openxmlformats.org/officeDocument/2006/math">
-                    <m:r>
-                      <a:rPr lang="en-US" b="0" i="1" smtClean="0">
-                        <a:latin typeface="Cambria Math" panose="02040503050406030204" pitchFamily="18" charset="0"/>
-                      </a:rPr>
-                      <m:t>×</m:t>
-                    </m:r>
-                  </m:oMath>
-                </a14:m>
-                <a:endParaRPr lang="en-US" dirty="0"/>
-              </a:p>
-              <a:p>
-                <a:pPr lvl="1"/>
-                <a:r>
-                  <a:rPr lang="en-US" dirty="0"/>
-                  <a:t>Each leaf is labeled with </a:t>
-                </a:r>
-                <a14:m>
-                  <m:oMath xmlns:m="http://schemas.openxmlformats.org/officeDocument/2006/math">
-                    <m:r>
-                      <a:rPr lang="en-US" b="0" i="1" smtClean="0">
-                        <a:latin typeface="Cambria Math" panose="02040503050406030204" pitchFamily="18" charset="0"/>
-                      </a:rPr>
-                      <m:t>0</m:t>
-                    </m:r>
-                  </m:oMath>
-                </a14:m>
-                <a:r>
-                  <a:rPr lang="en-US" dirty="0"/>
-                  <a:t>, </a:t>
-                </a:r>
-                <a14:m>
-                  <m:oMath xmlns:m="http://schemas.openxmlformats.org/officeDocument/2006/math">
-                    <m:r>
-                      <a:rPr lang="en-US" b="0" i="1" smtClean="0">
-                        <a:latin typeface="Cambria Math" panose="02040503050406030204" pitchFamily="18" charset="0"/>
-                      </a:rPr>
-                      <m:t>1</m:t>
-                    </m:r>
-                  </m:oMath>
-                </a14:m>
-                <a:r>
-                  <a:rPr lang="en-US" dirty="0"/>
-                  <a:t>, </a:t>
-                </a:r>
-                <a14:m>
-                  <m:oMath xmlns:m="http://schemas.openxmlformats.org/officeDocument/2006/math">
-                    <m:r>
-                      <a:rPr lang="en-US" b="0" i="1" smtClean="0">
-                        <a:latin typeface="Cambria Math" panose="02040503050406030204" pitchFamily="18" charset="0"/>
-                      </a:rPr>
-                      <m:t>−</m:t>
-                    </m:r>
-                    <m:r>
-                      <a:rPr lang="en-US" b="0" i="1" smtClean="0">
-                        <a:latin typeface="Cambria Math" panose="02040503050406030204" pitchFamily="18" charset="0"/>
-                      </a:rPr>
-                      <m:t>1</m:t>
-                    </m:r>
-                  </m:oMath>
-                </a14:m>
-                <a:r>
-                  <a:rPr lang="en-US" dirty="0"/>
-                  <a:t>, or a variable among </a:t>
-                </a:r>
-                <a14:m>
-                  <m:oMath xmlns:m="http://schemas.openxmlformats.org/officeDocument/2006/math">
-                    <m:sSub>
-                      <m:sSubPr>
-                        <m:ctrlPr>
-                          <a:rPr lang="en-US" b="0" i="1" smtClean="0">
-                            <a:latin typeface="Cambria Math" panose="02040503050406030204" pitchFamily="18" charset="0"/>
-                          </a:rPr>
-                        </m:ctrlPr>
-                      </m:sSubPr>
-                      <m:e>
-                        <m:r>
-                          <a:rPr lang="en-US" b="0" i="1" smtClean="0">
-                            <a:latin typeface="Cambria Math" panose="02040503050406030204" pitchFamily="18" charset="0"/>
-                          </a:rPr>
-                          <m:t>𝑥</m:t>
-                        </m:r>
-                      </m:e>
-                      <m:sub>
-                        <m:r>
-                          <a:rPr lang="en-US" b="0" i="1" smtClean="0">
-                            <a:latin typeface="Cambria Math" panose="02040503050406030204" pitchFamily="18" charset="0"/>
-                          </a:rPr>
-                          <m:t>1</m:t>
-                        </m:r>
-                      </m:sub>
-                    </m:sSub>
-                    <m:r>
-                      <a:rPr lang="en-US" b="0" i="1" smtClean="0">
-                        <a:latin typeface="Cambria Math" panose="02040503050406030204" pitchFamily="18" charset="0"/>
-                      </a:rPr>
-                      <m:t>,…, </m:t>
-                    </m:r>
-                    <m:sSub>
-                      <m:sSubPr>
-                        <m:ctrlPr>
-                          <a:rPr lang="en-US" b="0" i="1" smtClean="0">
-                            <a:latin typeface="Cambria Math" panose="02040503050406030204" pitchFamily="18" charset="0"/>
-                          </a:rPr>
-                        </m:ctrlPr>
-                      </m:sSubPr>
-                      <m:e>
-                        <m:r>
-                          <a:rPr lang="en-US" b="0" i="1" smtClean="0">
-                            <a:latin typeface="Cambria Math" panose="02040503050406030204" pitchFamily="18" charset="0"/>
-                          </a:rPr>
-                          <m:t>𝑥</m:t>
-                        </m:r>
-                      </m:e>
-                      <m:sub>
-                        <m:r>
-                          <a:rPr lang="en-US" b="0" i="1" smtClean="0">
-                            <a:latin typeface="Cambria Math" panose="02040503050406030204" pitchFamily="18" charset="0"/>
-                          </a:rPr>
-                          <m:t>𝑘</m:t>
-                        </m:r>
-                      </m:sub>
-                    </m:sSub>
-                  </m:oMath>
-                </a14:m>
-                <a:endParaRPr lang="en-US" dirty="0"/>
-              </a:p>
-              <a:p>
-                <a:r>
-                  <a:rPr lang="en-US" dirty="0"/>
-                  <a:t>It computes </a:t>
-                </a:r>
-                <a14:m>
-                  <m:oMath xmlns:m="http://schemas.openxmlformats.org/officeDocument/2006/math">
-                    <m:r>
-                      <a:rPr lang="en-US" b="0" i="1" smtClean="0">
-                        <a:latin typeface="Cambria Math" panose="02040503050406030204" pitchFamily="18" charset="0"/>
-                      </a:rPr>
-                      <m:t>𝐹</m:t>
-                    </m:r>
-                    <m:r>
-                      <a:rPr lang="en-US" b="0" i="1" smtClean="0">
-                        <a:latin typeface="Cambria Math" panose="02040503050406030204" pitchFamily="18" charset="0"/>
-                      </a:rPr>
-                      <m:t>:</m:t>
-                    </m:r>
-                    <m:sSup>
-                      <m:sSupPr>
-                        <m:ctrlPr>
-                          <a:rPr lang="en-US" b="0" i="1" smtClean="0">
-                            <a:latin typeface="Cambria Math" panose="02040503050406030204" pitchFamily="18" charset="0"/>
-                          </a:rPr>
-                        </m:ctrlPr>
-                      </m:sSupPr>
-                      <m:e>
-                        <m:r>
-                          <a:rPr lang="en-US" b="0" i="1" smtClean="0">
-                            <a:latin typeface="Cambria Math" panose="02040503050406030204" pitchFamily="18" charset="0"/>
-                          </a:rPr>
-                          <m:t>ℝ</m:t>
-                        </m:r>
-                      </m:e>
-                      <m:sup>
-                        <m:r>
-                          <a:rPr lang="en-US" b="0" i="1" smtClean="0">
-                            <a:latin typeface="Cambria Math" panose="02040503050406030204" pitchFamily="18" charset="0"/>
-                          </a:rPr>
-                          <m:t>𝑘</m:t>
-                        </m:r>
-                      </m:sup>
-                    </m:sSup>
-                    <m:r>
-                      <a:rPr lang="en-US" b="0" i="1" smtClean="0">
-                        <a:latin typeface="Cambria Math" panose="02040503050406030204" pitchFamily="18" charset="0"/>
-                      </a:rPr>
-                      <m:t>→</m:t>
-                    </m:r>
-                    <m:r>
-                      <a:rPr lang="en-US" b="0" i="1" smtClean="0">
-                        <a:latin typeface="Cambria Math" panose="02040503050406030204" pitchFamily="18" charset="0"/>
-                      </a:rPr>
-                      <m:t>ℝ</m:t>
-                    </m:r>
-                  </m:oMath>
-                </a14:m>
-                <a:endParaRPr lang="en-US" dirty="0"/>
-              </a:p>
-              <a:p>
-                <a:r>
-                  <a:rPr lang="en-US" dirty="0"/>
-                  <a:t>E.g., </a:t>
-                </a:r>
-                <a14:m>
-                  <m:oMath xmlns:m="http://schemas.openxmlformats.org/officeDocument/2006/math">
-                    <m:r>
-                      <a:rPr lang="en-US" b="0" i="1" smtClean="0">
-                        <a:latin typeface="Cambria Math" panose="02040503050406030204" pitchFamily="18" charset="0"/>
-                      </a:rPr>
-                      <m:t>𝐹</m:t>
-                    </m:r>
-                    <m:d>
-                      <m:dPr>
-                        <m:ctrlPr>
-                          <a:rPr lang="en-US" b="0" i="1" smtClean="0">
-                            <a:latin typeface="Cambria Math" panose="02040503050406030204" pitchFamily="18" charset="0"/>
-                          </a:rPr>
-                        </m:ctrlPr>
-                      </m:dPr>
-                      <m:e>
-                        <m:sSub>
-                          <m:sSubPr>
-                            <m:ctrlPr>
-                              <a:rPr lang="en-US" b="0" i="1" smtClean="0">
-                                <a:latin typeface="Cambria Math" panose="02040503050406030204" pitchFamily="18" charset="0"/>
-                              </a:rPr>
-                            </m:ctrlPr>
-                          </m:sSubPr>
-                          <m:e>
-                            <m:r>
-                              <a:rPr lang="en-US" b="0" i="1" smtClean="0">
-                                <a:latin typeface="Cambria Math" panose="02040503050406030204" pitchFamily="18" charset="0"/>
-                              </a:rPr>
-                              <m:t>𝑥</m:t>
-                            </m:r>
-                          </m:e>
-                          <m:sub>
-                            <m:r>
-                              <a:rPr lang="en-US" b="0" i="1" smtClean="0">
-                                <a:latin typeface="Cambria Math" panose="02040503050406030204" pitchFamily="18" charset="0"/>
-                              </a:rPr>
-                              <m:t>1</m:t>
-                            </m:r>
-                          </m:sub>
-                        </m:sSub>
-                        <m:r>
-                          <a:rPr lang="en-US" b="0" i="1" smtClean="0">
-                            <a:latin typeface="Cambria Math" panose="02040503050406030204" pitchFamily="18" charset="0"/>
-                          </a:rPr>
-                          <m:t>,</m:t>
-                        </m:r>
-                        <m:sSub>
-                          <m:sSubPr>
-                            <m:ctrlPr>
-                              <a:rPr lang="en-US" b="0" i="1" smtClean="0">
-                                <a:latin typeface="Cambria Math" panose="02040503050406030204" pitchFamily="18" charset="0"/>
-                              </a:rPr>
-                            </m:ctrlPr>
-                          </m:sSubPr>
-                          <m:e>
-                            <m:r>
-                              <a:rPr lang="en-US" b="0" i="1" smtClean="0">
-                                <a:latin typeface="Cambria Math" panose="02040503050406030204" pitchFamily="18" charset="0"/>
-                              </a:rPr>
-                              <m:t>𝑥</m:t>
-                            </m:r>
-                          </m:e>
-                          <m:sub>
-                            <m:r>
-                              <a:rPr lang="en-US" b="0" i="1" smtClean="0">
-                                <a:latin typeface="Cambria Math" panose="02040503050406030204" pitchFamily="18" charset="0"/>
-                              </a:rPr>
-                              <m:t>2</m:t>
-                            </m:r>
-                          </m:sub>
-                        </m:sSub>
-                      </m:e>
-                    </m:d>
-                    <m:r>
-                      <a:rPr lang="en-US" b="0" i="1" smtClean="0">
-                        <a:latin typeface="Cambria Math" panose="02040503050406030204" pitchFamily="18" charset="0"/>
-                      </a:rPr>
-                      <m:t>=</m:t>
-                    </m:r>
-                    <m:d>
-                      <m:dPr>
-                        <m:ctrlPr>
-                          <a:rPr lang="en-US" b="0" i="1" smtClean="0">
-                            <a:latin typeface="Cambria Math" panose="02040503050406030204" pitchFamily="18" charset="0"/>
-                          </a:rPr>
-                        </m:ctrlPr>
-                      </m:dPr>
-                      <m:e>
-                        <m:sSub>
-                          <m:sSubPr>
-                            <m:ctrlPr>
-                              <a:rPr lang="en-US" b="0" i="1" smtClean="0">
-                                <a:latin typeface="Cambria Math" panose="02040503050406030204" pitchFamily="18" charset="0"/>
-                              </a:rPr>
-                            </m:ctrlPr>
-                          </m:sSubPr>
-                          <m:e>
-                            <m:r>
-                              <a:rPr lang="en-US" b="0" i="1" smtClean="0">
-                                <a:latin typeface="Cambria Math" panose="02040503050406030204" pitchFamily="18" charset="0"/>
-                              </a:rPr>
-                              <m:t>𝑥</m:t>
-                            </m:r>
-                          </m:e>
-                          <m:sub>
-                            <m:r>
-                              <a:rPr lang="en-US" b="0" i="1" smtClean="0">
-                                <a:latin typeface="Cambria Math" panose="02040503050406030204" pitchFamily="18" charset="0"/>
-                              </a:rPr>
-                              <m:t>1</m:t>
-                            </m:r>
-                          </m:sub>
-                        </m:sSub>
-                        <m:r>
-                          <a:rPr lang="en-US" b="0" i="1" smtClean="0">
-                            <a:latin typeface="Cambria Math" panose="02040503050406030204" pitchFamily="18" charset="0"/>
-                          </a:rPr>
-                          <m:t>+</m:t>
-                        </m:r>
-                        <m:sSub>
-                          <m:sSubPr>
-                            <m:ctrlPr>
-                              <a:rPr lang="en-US" b="0" i="1" smtClean="0">
-                                <a:latin typeface="Cambria Math" panose="02040503050406030204" pitchFamily="18" charset="0"/>
-                              </a:rPr>
-                            </m:ctrlPr>
-                          </m:sSubPr>
-                          <m:e>
-                            <m:r>
-                              <a:rPr lang="en-US" b="0" i="1" smtClean="0">
-                                <a:latin typeface="Cambria Math" panose="02040503050406030204" pitchFamily="18" charset="0"/>
-                              </a:rPr>
-                              <m:t>𝑥</m:t>
-                            </m:r>
-                          </m:e>
-                          <m:sub>
-                            <m:r>
-                              <a:rPr lang="en-US" b="0" i="1" smtClean="0">
-                                <a:latin typeface="Cambria Math" panose="02040503050406030204" pitchFamily="18" charset="0"/>
-                              </a:rPr>
-                              <m:t>2</m:t>
-                            </m:r>
-                          </m:sub>
-                        </m:sSub>
-                      </m:e>
-                    </m:d>
-                    <m:r>
-                      <a:rPr lang="en-US" b="0" i="1" smtClean="0">
-                        <a:latin typeface="Cambria Math" panose="02040503050406030204" pitchFamily="18" charset="0"/>
-                      </a:rPr>
-                      <m:t>⋅</m:t>
-                    </m:r>
-                    <m:d>
-                      <m:dPr>
-                        <m:ctrlPr>
-                          <a:rPr lang="en-US" b="0" i="1" smtClean="0">
-                            <a:latin typeface="Cambria Math" panose="02040503050406030204" pitchFamily="18" charset="0"/>
-                          </a:rPr>
-                        </m:ctrlPr>
-                      </m:dPr>
-                      <m:e>
-                        <m:sSub>
-                          <m:sSubPr>
-                            <m:ctrlPr>
-                              <a:rPr lang="en-US" b="0" i="1" smtClean="0">
-                                <a:latin typeface="Cambria Math" panose="02040503050406030204" pitchFamily="18" charset="0"/>
-                              </a:rPr>
-                            </m:ctrlPr>
-                          </m:sSubPr>
-                          <m:e>
-                            <m:r>
-                              <a:rPr lang="en-US" b="0" i="1" smtClean="0">
-                                <a:latin typeface="Cambria Math" panose="02040503050406030204" pitchFamily="18" charset="0"/>
-                              </a:rPr>
-                              <m:t>𝑥</m:t>
-                            </m:r>
-                          </m:e>
-                          <m:sub>
-                            <m:r>
-                              <a:rPr lang="en-US" b="0" i="1" smtClean="0">
-                                <a:latin typeface="Cambria Math" panose="02040503050406030204" pitchFamily="18" charset="0"/>
-                              </a:rPr>
-                              <m:t>1</m:t>
-                            </m:r>
-                          </m:sub>
-                        </m:sSub>
-                        <m:r>
-                          <a:rPr lang="en-US" b="0" i="1" smtClean="0">
-                            <a:latin typeface="Cambria Math" panose="02040503050406030204" pitchFamily="18" charset="0"/>
-                          </a:rPr>
-                          <m:t>−</m:t>
-                        </m:r>
-                        <m:sSub>
-                          <m:sSubPr>
-                            <m:ctrlPr>
-                              <a:rPr lang="en-US" b="0" i="1" smtClean="0">
-                                <a:latin typeface="Cambria Math" panose="02040503050406030204" pitchFamily="18" charset="0"/>
-                              </a:rPr>
-                            </m:ctrlPr>
-                          </m:sSubPr>
-                          <m:e>
-                            <m:r>
-                              <a:rPr lang="en-US" b="0" i="1" smtClean="0">
-                                <a:latin typeface="Cambria Math" panose="02040503050406030204" pitchFamily="18" charset="0"/>
-                              </a:rPr>
-                              <m:t>𝑥</m:t>
-                            </m:r>
-                          </m:e>
-                          <m:sub>
-                            <m:r>
-                              <a:rPr lang="en-US" b="0" i="1" smtClean="0">
-                                <a:latin typeface="Cambria Math" panose="02040503050406030204" pitchFamily="18" charset="0"/>
-                              </a:rPr>
-                              <m:t>2</m:t>
-                            </m:r>
-                          </m:sub>
-                        </m:sSub>
-                      </m:e>
-                    </m:d>
-                  </m:oMath>
-                </a14:m>
-                <a:endParaRPr lang="en-US" dirty="0"/>
-              </a:p>
-            </p:txBody>
-          </p:sp>
-        </mc:Choice>
-        <mc:Fallback>
-          <p:sp>
-            <p:nvSpPr>
-              <p:cNvPr id="3" name="Content Placeholder 2">
-                <a:extLst>
-                  <a:ext uri="{FF2B5EF4-FFF2-40B4-BE49-F238E27FC236}">
-                    <a16:creationId xmlns:a16="http://schemas.microsoft.com/office/drawing/2014/main" id="{D3347C53-5964-2011-477B-B127514052B6}"/>
-                  </a:ext>
-                </a:extLst>
-              </p:cNvPr>
-              <p:cNvSpPr>
-                <a:spLocks noGrp="1" noRot="1" noChangeAspect="1" noMove="1" noResize="1" noEditPoints="1" noAdjustHandles="1" noChangeArrowheads="1" noChangeShapeType="1" noTextEdit="1"/>
-              </p:cNvSpPr>
-              <p:nvPr>
-                <p:ph idx="1"/>
-              </p:nvPr>
-            </p:nvSpPr>
-            <p:spPr>
-              <a:xfrm>
-                <a:off x="668867" y="1690688"/>
-                <a:ext cx="10515600" cy="4351338"/>
-              </a:xfrm>
-              <a:blipFill>
-                <a:blip r:embed="rId2"/>
-                <a:stretch>
-                  <a:fillRect l="-1043"/>
-                </a:stretch>
-              </a:blipFill>
-            </p:spPr>
-            <p:txBody>
-              <a:bodyPr/>
-              <a:lstStyle/>
-              <a:p>
-                <a:r>
-                  <a:rPr lang="en-US">
-                    <a:noFill/>
-                  </a:rPr>
-                  <a:t> </a:t>
-                </a:r>
-              </a:p>
-            </p:txBody>
-          </p:sp>
-        </mc:Fallback>
-      </mc:AlternateContent>
-      <p:sp>
-        <p:nvSpPr>
-          <p:cNvPr id="4" name="Slide Number Placeholder 3">
-            <a:extLst>
-              <a:ext uri="{FF2B5EF4-FFF2-40B4-BE49-F238E27FC236}">
-                <a16:creationId xmlns:a16="http://schemas.microsoft.com/office/drawing/2014/main" id="{159E2479-703D-60E7-3F4D-59C9584C23E8}"/>
-              </a:ext>
-            </a:extLst>
-          </p:cNvPr>
-          <p:cNvSpPr>
-            <a:spLocks noGrp="1"/>
-          </p:cNvSpPr>
-          <p:nvPr>
-            <p:ph type="sldNum" sz="quarter" idx="12"/>
-          </p:nvPr>
-        </p:nvSpPr>
-        <p:spPr/>
-        <p:txBody>
-          <a:bodyPr/>
-          <a:lstStyle/>
-          <a:p>
-            <a:fld id="{4B61B20D-9436-4192-BF4B-8FB3BEF1787F}" type="slidenum">
-              <a:rPr lang="en-US" smtClean="0"/>
-              <a:pPr/>
-              <a:t>20</a:t>
-            </a:fld>
-            <a:endParaRPr lang="en-US" dirty="0"/>
-          </a:p>
-        </p:txBody>
-      </p:sp>
-      <p:grpSp>
-        <p:nvGrpSpPr>
-          <p:cNvPr id="51" name="Group 50">
-            <a:extLst>
-              <a:ext uri="{FF2B5EF4-FFF2-40B4-BE49-F238E27FC236}">
-                <a16:creationId xmlns:a16="http://schemas.microsoft.com/office/drawing/2014/main" id="{5AB6A8EB-1086-DEEF-0861-BCD97DA9970C}"/>
-              </a:ext>
-            </a:extLst>
-          </p:cNvPr>
-          <p:cNvGrpSpPr/>
-          <p:nvPr/>
-        </p:nvGrpSpPr>
-        <p:grpSpPr>
-          <a:xfrm>
-            <a:off x="8730684" y="3141133"/>
-            <a:ext cx="3190382" cy="2825753"/>
-            <a:chOff x="8138018" y="3521773"/>
-            <a:chExt cx="3190382" cy="2825753"/>
-          </a:xfrm>
-        </p:grpSpPr>
-        <mc:AlternateContent xmlns:mc="http://schemas.openxmlformats.org/markup-compatibility/2006">
-          <mc:Choice xmlns:a14="http://schemas.microsoft.com/office/drawing/2010/main" Requires="a14">
-            <p:sp>
-              <p:nvSpPr>
-                <p:cNvPr id="5" name="Oval 4">
-                  <a:extLst>
-                    <a:ext uri="{FF2B5EF4-FFF2-40B4-BE49-F238E27FC236}">
-                      <a16:creationId xmlns:a16="http://schemas.microsoft.com/office/drawing/2014/main" id="{1869CFD8-0E36-B613-82DC-4A151B8F803D}"/>
-                    </a:ext>
-                  </a:extLst>
-                </p:cNvPr>
-                <p:cNvSpPr/>
-                <p:nvPr/>
-              </p:nvSpPr>
-              <p:spPr>
-                <a:xfrm>
-                  <a:off x="9269194" y="3521773"/>
-                  <a:ext cx="508000" cy="508000"/>
-                </a:xfrm>
-                <a:prstGeom prst="ellipse">
-                  <a:avLst/>
-                </a:prstGeom>
-                <a:solidFill>
-                  <a:schemeClr val="accent6">
-                    <a:lumMod val="20000"/>
-                    <a:lumOff val="80000"/>
-                  </a:schemeClr>
-                </a:solidFill>
-                <a:ln>
-                  <a:solidFill>
-                    <a:schemeClr val="tx1"/>
-                  </a:solidFill>
-                </a:ln>
-              </p:spPr>
-              <p:style>
-                <a:lnRef idx="2">
-                  <a:schemeClr val="accent1">
-                    <a:shade val="15000"/>
-                  </a:schemeClr>
-                </a:lnRef>
-                <a:fillRef idx="1">
-                  <a:schemeClr val="accent1"/>
-                </a:fillRef>
-                <a:effectRef idx="0">
-                  <a:schemeClr val="accent1"/>
-                </a:effectRef>
-                <a:fontRef idx="minor">
-                  <a:schemeClr val="lt1"/>
-                </a:fontRef>
-              </p:style>
-              <p:txBody>
-                <a:bodyPr lIns="0" tIns="0" rIns="0" bIns="0" rtlCol="0" anchor="ctr"/>
-                <a:lstStyle/>
-                <a:p>
-                  <a:pPr algn="ctr"/>
-                  <a14:m>
-                    <m:oMathPara xmlns:m="http://schemas.openxmlformats.org/officeDocument/2006/math">
-                      <m:oMathParaPr>
-                        <m:jc m:val="centerGroup"/>
-                      </m:oMathParaPr>
-                      <m:oMath xmlns:m="http://schemas.openxmlformats.org/officeDocument/2006/math">
-                        <m:r>
-                          <a:rPr lang="en-US" b="0" i="1" smtClean="0">
-                            <a:solidFill>
-                              <a:schemeClr val="tx1"/>
-                            </a:solidFill>
-                            <a:latin typeface="Cambria Math" panose="02040503050406030204" pitchFamily="18" charset="0"/>
-                          </a:rPr>
-                          <m:t> ×</m:t>
-                        </m:r>
-                      </m:oMath>
-                    </m:oMathPara>
-                  </a14:m>
-                  <a:endParaRPr lang="en-US" dirty="0">
-                    <a:solidFill>
-                      <a:schemeClr val="tx1"/>
-                    </a:solidFill>
-                  </a:endParaRPr>
-                </a:p>
-              </p:txBody>
-            </p:sp>
-          </mc:Choice>
-          <mc:Fallback>
-            <p:sp>
-              <p:nvSpPr>
-                <p:cNvPr id="5" name="Oval 4">
-                  <a:extLst>
-                    <a:ext uri="{FF2B5EF4-FFF2-40B4-BE49-F238E27FC236}">
-                      <a16:creationId xmlns:a16="http://schemas.microsoft.com/office/drawing/2014/main" id="{1869CFD8-0E36-B613-82DC-4A151B8F803D}"/>
-                    </a:ext>
-                  </a:extLst>
-                </p:cNvPr>
-                <p:cNvSpPr>
-                  <a:spLocks noRot="1" noChangeAspect="1" noMove="1" noResize="1" noEditPoints="1" noAdjustHandles="1" noChangeArrowheads="1" noChangeShapeType="1" noTextEdit="1"/>
-                </p:cNvSpPr>
-                <p:nvPr/>
-              </p:nvSpPr>
-              <p:spPr>
-                <a:xfrm>
-                  <a:off x="9269194" y="3521773"/>
-                  <a:ext cx="508000" cy="508000"/>
-                </a:xfrm>
-                <a:prstGeom prst="ellipse">
-                  <a:avLst/>
-                </a:prstGeom>
-                <a:blipFill>
-                  <a:blip r:embed="rId3"/>
-                  <a:stretch>
-                    <a:fillRect/>
-                  </a:stretch>
-                </a:blipFill>
-                <a:ln>
-                  <a:solidFill>
-                    <a:schemeClr val="tx1"/>
-                  </a:solidFill>
-                </a:ln>
-              </p:spPr>
-              <p:txBody>
-                <a:bodyPr/>
-                <a:lstStyle/>
-                <a:p>
-                  <a:r>
-                    <a:rPr lang="en-US">
-                      <a:noFill/>
-                    </a:rPr>
-                    <a:t> </a:t>
-                  </a:r>
-                </a:p>
-              </p:txBody>
-            </p:sp>
-          </mc:Fallback>
-        </mc:AlternateContent>
-        <mc:AlternateContent xmlns:mc="http://schemas.openxmlformats.org/markup-compatibility/2006">
-          <mc:Choice xmlns:a14="http://schemas.microsoft.com/office/drawing/2010/main" Requires="a14">
-            <p:sp>
-              <p:nvSpPr>
-                <p:cNvPr id="6" name="Oval 5">
-                  <a:extLst>
-                    <a:ext uri="{FF2B5EF4-FFF2-40B4-BE49-F238E27FC236}">
-                      <a16:creationId xmlns:a16="http://schemas.microsoft.com/office/drawing/2014/main" id="{9A85660D-0B6B-A679-B825-2D0582461ACB}"/>
-                    </a:ext>
-                  </a:extLst>
-                </p:cNvPr>
-                <p:cNvSpPr/>
-                <p:nvPr/>
-              </p:nvSpPr>
-              <p:spPr>
-                <a:xfrm>
-                  <a:off x="8512636" y="4214154"/>
-                  <a:ext cx="508000" cy="508000"/>
-                </a:xfrm>
-                <a:prstGeom prst="ellipse">
-                  <a:avLst/>
-                </a:prstGeom>
-                <a:solidFill>
-                  <a:schemeClr val="accent6">
-                    <a:lumMod val="20000"/>
-                    <a:lumOff val="80000"/>
-                  </a:schemeClr>
-                </a:solidFill>
-                <a:ln>
-                  <a:solidFill>
-                    <a:schemeClr val="tx1"/>
-                  </a:solidFill>
-                </a:ln>
-              </p:spPr>
-              <p:style>
-                <a:lnRef idx="2">
-                  <a:schemeClr val="accent1">
-                    <a:shade val="15000"/>
-                  </a:schemeClr>
-                </a:lnRef>
-                <a:fillRef idx="1">
-                  <a:schemeClr val="accent1"/>
-                </a:fillRef>
-                <a:effectRef idx="0">
-                  <a:schemeClr val="accent1"/>
-                </a:effectRef>
-                <a:fontRef idx="minor">
-                  <a:schemeClr val="lt1"/>
-                </a:fontRef>
-              </p:style>
-              <p:txBody>
-                <a:bodyPr rtlCol="0" anchor="ctr"/>
-                <a:lstStyle/>
-                <a:p>
-                  <a:pPr algn="ctr"/>
-                  <a14:m>
-                    <m:oMathPara xmlns:m="http://schemas.openxmlformats.org/officeDocument/2006/math">
-                      <m:oMathParaPr>
-                        <m:jc m:val="centerGroup"/>
-                      </m:oMathParaPr>
-                      <m:oMath xmlns:m="http://schemas.openxmlformats.org/officeDocument/2006/math">
-                        <m:r>
-                          <a:rPr lang="en-US" b="0" i="1" smtClean="0">
-                            <a:solidFill>
-                              <a:schemeClr val="tx1"/>
-                            </a:solidFill>
-                            <a:latin typeface="Cambria Math" panose="02040503050406030204" pitchFamily="18" charset="0"/>
-                          </a:rPr>
-                          <m:t> +</m:t>
-                        </m:r>
-                      </m:oMath>
-                    </m:oMathPara>
-                  </a14:m>
-                  <a:endParaRPr lang="en-US" dirty="0">
-                    <a:solidFill>
-                      <a:schemeClr val="tx1"/>
-                    </a:solidFill>
-                  </a:endParaRPr>
-                </a:p>
-              </p:txBody>
-            </p:sp>
-          </mc:Choice>
-          <mc:Fallback>
-            <p:sp>
-              <p:nvSpPr>
-                <p:cNvPr id="6" name="Oval 5">
-                  <a:extLst>
-                    <a:ext uri="{FF2B5EF4-FFF2-40B4-BE49-F238E27FC236}">
-                      <a16:creationId xmlns:a16="http://schemas.microsoft.com/office/drawing/2014/main" id="{9A85660D-0B6B-A679-B825-2D0582461ACB}"/>
-                    </a:ext>
-                  </a:extLst>
-                </p:cNvPr>
-                <p:cNvSpPr>
-                  <a:spLocks noRot="1" noChangeAspect="1" noMove="1" noResize="1" noEditPoints="1" noAdjustHandles="1" noChangeArrowheads="1" noChangeShapeType="1" noTextEdit="1"/>
-                </p:cNvSpPr>
-                <p:nvPr/>
-              </p:nvSpPr>
-              <p:spPr>
-                <a:xfrm>
-                  <a:off x="8512636" y="4214154"/>
-                  <a:ext cx="508000" cy="508000"/>
-                </a:xfrm>
-                <a:prstGeom prst="ellipse">
-                  <a:avLst/>
-                </a:prstGeom>
-                <a:blipFill>
-                  <a:blip r:embed="rId4"/>
-                  <a:stretch>
-                    <a:fillRect/>
-                  </a:stretch>
-                </a:blipFill>
-                <a:ln>
-                  <a:solidFill>
-                    <a:schemeClr val="tx1"/>
-                  </a:solidFill>
-                </a:ln>
-              </p:spPr>
-              <p:txBody>
-                <a:bodyPr/>
-                <a:lstStyle/>
-                <a:p>
-                  <a:r>
-                    <a:rPr lang="en-US">
-                      <a:noFill/>
-                    </a:rPr>
-                    <a:t> </a:t>
-                  </a:r>
-                </a:p>
-              </p:txBody>
-            </p:sp>
-          </mc:Fallback>
-        </mc:AlternateContent>
-        <mc:AlternateContent xmlns:mc="http://schemas.openxmlformats.org/markup-compatibility/2006">
-          <mc:Choice xmlns:a14="http://schemas.microsoft.com/office/drawing/2010/main" Requires="a14">
-            <p:sp>
-              <p:nvSpPr>
-                <p:cNvPr id="7" name="Oval 6">
-                  <a:extLst>
-                    <a:ext uri="{FF2B5EF4-FFF2-40B4-BE49-F238E27FC236}">
-                      <a16:creationId xmlns:a16="http://schemas.microsoft.com/office/drawing/2014/main" id="{69D8198F-55D0-33C7-EBB5-EA96B02971C7}"/>
-                    </a:ext>
-                  </a:extLst>
-                </p:cNvPr>
-                <p:cNvSpPr/>
-                <p:nvPr/>
-              </p:nvSpPr>
-              <p:spPr>
-                <a:xfrm>
-                  <a:off x="10015681" y="4247237"/>
-                  <a:ext cx="508000" cy="508000"/>
-                </a:xfrm>
-                <a:prstGeom prst="ellipse">
-                  <a:avLst/>
-                </a:prstGeom>
-                <a:solidFill>
-                  <a:schemeClr val="accent6">
-                    <a:lumMod val="20000"/>
-                    <a:lumOff val="80000"/>
-                  </a:schemeClr>
-                </a:solidFill>
-                <a:ln>
-                  <a:solidFill>
-                    <a:schemeClr val="tx1"/>
-                  </a:solidFill>
-                </a:ln>
-              </p:spPr>
-              <p:style>
-                <a:lnRef idx="2">
-                  <a:schemeClr val="accent1">
-                    <a:shade val="15000"/>
-                  </a:schemeClr>
-                </a:lnRef>
-                <a:fillRef idx="1">
-                  <a:schemeClr val="accent1"/>
-                </a:fillRef>
-                <a:effectRef idx="0">
-                  <a:schemeClr val="accent1"/>
-                </a:effectRef>
-                <a:fontRef idx="minor">
-                  <a:schemeClr val="lt1"/>
-                </a:fontRef>
-              </p:style>
-              <p:txBody>
-                <a:bodyPr rtlCol="0" anchor="ctr"/>
-                <a:lstStyle/>
-                <a:p>
-                  <a:pPr algn="ctr"/>
-                  <a14:m>
-                    <m:oMathPara xmlns:m="http://schemas.openxmlformats.org/officeDocument/2006/math">
-                      <m:oMathParaPr>
-                        <m:jc m:val="centerGroup"/>
-                      </m:oMathParaPr>
-                      <m:oMath xmlns:m="http://schemas.openxmlformats.org/officeDocument/2006/math">
-                        <m:r>
-                          <a:rPr lang="en-US" b="0" i="1" smtClean="0">
-                            <a:solidFill>
-                              <a:schemeClr val="tx1"/>
-                            </a:solidFill>
-                            <a:latin typeface="Cambria Math" panose="02040503050406030204" pitchFamily="18" charset="0"/>
-                          </a:rPr>
-                          <m:t> +</m:t>
-                        </m:r>
-                      </m:oMath>
-                    </m:oMathPara>
-                  </a14:m>
-                  <a:endParaRPr lang="en-US" dirty="0">
-                    <a:solidFill>
-                      <a:schemeClr val="tx1"/>
-                    </a:solidFill>
-                  </a:endParaRPr>
-                </a:p>
-              </p:txBody>
-            </p:sp>
-          </mc:Choice>
-          <mc:Fallback>
-            <p:sp>
-              <p:nvSpPr>
-                <p:cNvPr id="7" name="Oval 6">
-                  <a:extLst>
-                    <a:ext uri="{FF2B5EF4-FFF2-40B4-BE49-F238E27FC236}">
-                      <a16:creationId xmlns:a16="http://schemas.microsoft.com/office/drawing/2014/main" id="{69D8198F-55D0-33C7-EBB5-EA96B02971C7}"/>
-                    </a:ext>
-                  </a:extLst>
-                </p:cNvPr>
-                <p:cNvSpPr>
-                  <a:spLocks noRot="1" noChangeAspect="1" noMove="1" noResize="1" noEditPoints="1" noAdjustHandles="1" noChangeArrowheads="1" noChangeShapeType="1" noTextEdit="1"/>
-                </p:cNvSpPr>
-                <p:nvPr/>
-              </p:nvSpPr>
-              <p:spPr>
-                <a:xfrm>
-                  <a:off x="10015681" y="4247237"/>
-                  <a:ext cx="508000" cy="508000"/>
-                </a:xfrm>
-                <a:prstGeom prst="ellipse">
-                  <a:avLst/>
-                </a:prstGeom>
-                <a:blipFill>
-                  <a:blip r:embed="rId5"/>
-                  <a:stretch>
-                    <a:fillRect/>
-                  </a:stretch>
-                </a:blipFill>
-                <a:ln>
-                  <a:solidFill>
-                    <a:schemeClr val="tx1"/>
-                  </a:solidFill>
-                </a:ln>
-              </p:spPr>
-              <p:txBody>
-                <a:bodyPr/>
-                <a:lstStyle/>
-                <a:p>
-                  <a:r>
-                    <a:rPr lang="en-US">
-                      <a:noFill/>
-                    </a:rPr>
-                    <a:t> </a:t>
-                  </a:r>
-                </a:p>
-              </p:txBody>
-            </p:sp>
-          </mc:Fallback>
-        </mc:AlternateContent>
-        <mc:AlternateContent xmlns:mc="http://schemas.openxmlformats.org/markup-compatibility/2006">
-          <mc:Choice xmlns:a14="http://schemas.microsoft.com/office/drawing/2010/main" Requires="a14">
-            <p:sp>
-              <p:nvSpPr>
-                <p:cNvPr id="8" name="Oval 7">
-                  <a:extLst>
-                    <a:ext uri="{FF2B5EF4-FFF2-40B4-BE49-F238E27FC236}">
-                      <a16:creationId xmlns:a16="http://schemas.microsoft.com/office/drawing/2014/main" id="{96B957AC-E7BA-B36D-4633-D5D698EC8654}"/>
-                    </a:ext>
-                  </a:extLst>
-                </p:cNvPr>
-                <p:cNvSpPr/>
-                <p:nvPr/>
-              </p:nvSpPr>
-              <p:spPr>
-                <a:xfrm>
-                  <a:off x="8138018" y="4971788"/>
-                  <a:ext cx="508000" cy="508000"/>
-                </a:xfrm>
-                <a:prstGeom prst="ellipse">
-                  <a:avLst/>
-                </a:prstGeom>
-                <a:solidFill>
-                  <a:schemeClr val="accent2">
-                    <a:lumMod val="20000"/>
-                    <a:lumOff val="80000"/>
-                  </a:schemeClr>
-                </a:solidFill>
-                <a:ln>
-                  <a:solidFill>
-                    <a:schemeClr val="tx1"/>
-                  </a:solidFill>
-                </a:ln>
-              </p:spPr>
-              <p:style>
-                <a:lnRef idx="2">
-                  <a:schemeClr val="accent1">
-                    <a:shade val="15000"/>
-                  </a:schemeClr>
-                </a:lnRef>
-                <a:fillRef idx="1">
-                  <a:schemeClr val="accent1"/>
-                </a:fillRef>
-                <a:effectRef idx="0">
-                  <a:schemeClr val="accent1"/>
-                </a:effectRef>
-                <a:fontRef idx="minor">
-                  <a:schemeClr val="lt1"/>
-                </a:fontRef>
-              </p:style>
-              <p:txBody>
-                <a:bodyPr rtlCol="0" anchor="ctr"/>
-                <a:lstStyle/>
-                <a:p>
-                  <a:pPr algn="ctr"/>
-                  <a14:m>
-                    <m:oMathPara xmlns:m="http://schemas.openxmlformats.org/officeDocument/2006/math">
-                      <m:oMathParaPr>
-                        <m:jc m:val="centerGroup"/>
-                      </m:oMathParaPr>
-                      <m:oMath xmlns:m="http://schemas.openxmlformats.org/officeDocument/2006/math">
-                        <m:r>
-                          <a:rPr lang="en-US" b="0" i="1" smtClean="0">
-                            <a:solidFill>
-                              <a:schemeClr val="tx1"/>
-                            </a:solidFill>
-                            <a:latin typeface="Cambria Math" panose="02040503050406030204" pitchFamily="18" charset="0"/>
-                          </a:rPr>
-                          <m:t> </m:t>
-                        </m:r>
-                        <m:sSub>
-                          <m:sSubPr>
-                            <m:ctrlPr>
-                              <a:rPr lang="en-US" b="0" i="1" smtClean="0">
-                                <a:solidFill>
-                                  <a:schemeClr val="tx1"/>
-                                </a:solidFill>
-                                <a:latin typeface="Cambria Math" panose="02040503050406030204" pitchFamily="18" charset="0"/>
-                              </a:rPr>
-                            </m:ctrlPr>
-                          </m:sSubPr>
-                          <m:e>
-                            <m:r>
-                              <a:rPr lang="en-US" b="0" i="1" smtClean="0">
-                                <a:solidFill>
-                                  <a:schemeClr val="tx1"/>
-                                </a:solidFill>
-                                <a:latin typeface="Cambria Math" panose="02040503050406030204" pitchFamily="18" charset="0"/>
-                              </a:rPr>
-                              <m:t>𝑥</m:t>
-                            </m:r>
-                          </m:e>
-                          <m:sub>
-                            <m:r>
-                              <a:rPr lang="en-US" b="0" i="1" smtClean="0">
-                                <a:solidFill>
-                                  <a:schemeClr val="tx1"/>
-                                </a:solidFill>
-                                <a:latin typeface="Cambria Math" panose="02040503050406030204" pitchFamily="18" charset="0"/>
-                              </a:rPr>
-                              <m:t>1</m:t>
-                            </m:r>
-                          </m:sub>
-                        </m:sSub>
-                      </m:oMath>
-                    </m:oMathPara>
-                  </a14:m>
-                  <a:endParaRPr lang="en-US" dirty="0">
-                    <a:solidFill>
-                      <a:schemeClr val="tx1"/>
-                    </a:solidFill>
-                  </a:endParaRPr>
-                </a:p>
-              </p:txBody>
-            </p:sp>
-          </mc:Choice>
-          <mc:Fallback>
-            <p:sp>
-              <p:nvSpPr>
-                <p:cNvPr id="8" name="Oval 7">
-                  <a:extLst>
-                    <a:ext uri="{FF2B5EF4-FFF2-40B4-BE49-F238E27FC236}">
-                      <a16:creationId xmlns:a16="http://schemas.microsoft.com/office/drawing/2014/main" id="{96B957AC-E7BA-B36D-4633-D5D698EC8654}"/>
-                    </a:ext>
-                  </a:extLst>
-                </p:cNvPr>
-                <p:cNvSpPr>
-                  <a:spLocks noRot="1" noChangeAspect="1" noMove="1" noResize="1" noEditPoints="1" noAdjustHandles="1" noChangeArrowheads="1" noChangeShapeType="1" noTextEdit="1"/>
-                </p:cNvSpPr>
-                <p:nvPr/>
-              </p:nvSpPr>
-              <p:spPr>
-                <a:xfrm>
-                  <a:off x="8138018" y="4971788"/>
-                  <a:ext cx="508000" cy="508000"/>
-                </a:xfrm>
-                <a:prstGeom prst="ellipse">
-                  <a:avLst/>
-                </a:prstGeom>
-                <a:blipFill>
-                  <a:blip r:embed="rId6"/>
-                  <a:stretch>
-                    <a:fillRect/>
-                  </a:stretch>
-                </a:blipFill>
-                <a:ln>
-                  <a:solidFill>
-                    <a:schemeClr val="tx1"/>
-                  </a:solidFill>
-                </a:ln>
-              </p:spPr>
-              <p:txBody>
-                <a:bodyPr/>
-                <a:lstStyle/>
-                <a:p>
-                  <a:r>
-                    <a:rPr lang="en-US">
-                      <a:noFill/>
-                    </a:rPr>
-                    <a:t> </a:t>
-                  </a:r>
-                </a:p>
-              </p:txBody>
-            </p:sp>
-          </mc:Fallback>
-        </mc:AlternateContent>
-        <mc:AlternateContent xmlns:mc="http://schemas.openxmlformats.org/markup-compatibility/2006">
-          <mc:Choice xmlns:a14="http://schemas.microsoft.com/office/drawing/2010/main" Requires="a14">
-            <p:sp>
-              <p:nvSpPr>
-                <p:cNvPr id="9" name="Oval 8">
-                  <a:extLst>
-                    <a:ext uri="{FF2B5EF4-FFF2-40B4-BE49-F238E27FC236}">
-                      <a16:creationId xmlns:a16="http://schemas.microsoft.com/office/drawing/2014/main" id="{8199821F-E4B3-6E6D-FCCF-3CE9F3BFB5E4}"/>
-                    </a:ext>
-                  </a:extLst>
-                </p:cNvPr>
-                <p:cNvSpPr/>
-                <p:nvPr/>
-              </p:nvSpPr>
-              <p:spPr>
-                <a:xfrm>
-                  <a:off x="8859401" y="4985723"/>
-                  <a:ext cx="508000" cy="508000"/>
-                </a:xfrm>
-                <a:prstGeom prst="ellipse">
-                  <a:avLst/>
-                </a:prstGeom>
-                <a:solidFill>
-                  <a:schemeClr val="accent2">
-                    <a:lumMod val="20000"/>
-                    <a:lumOff val="80000"/>
-                  </a:schemeClr>
-                </a:solidFill>
-                <a:ln>
-                  <a:solidFill>
-                    <a:schemeClr val="tx1"/>
-                  </a:solidFill>
-                </a:ln>
-              </p:spPr>
-              <p:style>
-                <a:lnRef idx="2">
-                  <a:schemeClr val="accent1">
-                    <a:shade val="15000"/>
-                  </a:schemeClr>
-                </a:lnRef>
-                <a:fillRef idx="1">
-                  <a:schemeClr val="accent1"/>
-                </a:fillRef>
-                <a:effectRef idx="0">
-                  <a:schemeClr val="accent1"/>
-                </a:effectRef>
-                <a:fontRef idx="minor">
-                  <a:schemeClr val="lt1"/>
-                </a:fontRef>
-              </p:style>
-              <p:txBody>
-                <a:bodyPr rtlCol="0" anchor="ctr"/>
-                <a:lstStyle/>
-                <a:p>
-                  <a:pPr algn="ctr"/>
-                  <a14:m>
-                    <m:oMathPara xmlns:m="http://schemas.openxmlformats.org/officeDocument/2006/math">
-                      <m:oMathParaPr>
-                        <m:jc m:val="centerGroup"/>
-                      </m:oMathParaPr>
-                      <m:oMath xmlns:m="http://schemas.openxmlformats.org/officeDocument/2006/math">
-                        <m:r>
-                          <a:rPr lang="en-US" b="0" i="1" smtClean="0">
-                            <a:solidFill>
-                              <a:schemeClr val="tx1"/>
-                            </a:solidFill>
-                            <a:latin typeface="Cambria Math" panose="02040503050406030204" pitchFamily="18" charset="0"/>
-                          </a:rPr>
-                          <m:t> </m:t>
-                        </m:r>
-                        <m:sSub>
-                          <m:sSubPr>
-                            <m:ctrlPr>
-                              <a:rPr lang="en-US" b="0" i="1" smtClean="0">
-                                <a:solidFill>
-                                  <a:schemeClr val="tx1"/>
-                                </a:solidFill>
-                                <a:latin typeface="Cambria Math" panose="02040503050406030204" pitchFamily="18" charset="0"/>
-                              </a:rPr>
-                            </m:ctrlPr>
-                          </m:sSubPr>
-                          <m:e>
-                            <m:r>
-                              <a:rPr lang="en-US" b="0" i="1" smtClean="0">
-                                <a:solidFill>
-                                  <a:schemeClr val="tx1"/>
-                                </a:solidFill>
-                                <a:latin typeface="Cambria Math" panose="02040503050406030204" pitchFamily="18" charset="0"/>
-                              </a:rPr>
-                              <m:t>𝑥</m:t>
-                            </m:r>
-                          </m:e>
-                          <m:sub>
-                            <m:r>
-                              <a:rPr lang="en-US" b="0" i="1" smtClean="0">
-                                <a:solidFill>
-                                  <a:schemeClr val="tx1"/>
-                                </a:solidFill>
-                                <a:latin typeface="Cambria Math" panose="02040503050406030204" pitchFamily="18" charset="0"/>
-                              </a:rPr>
-                              <m:t>2</m:t>
-                            </m:r>
-                          </m:sub>
-                        </m:sSub>
-                      </m:oMath>
-                    </m:oMathPara>
-                  </a14:m>
-                  <a:endParaRPr lang="en-US" dirty="0">
-                    <a:solidFill>
-                      <a:schemeClr val="tx1"/>
-                    </a:solidFill>
-                  </a:endParaRPr>
-                </a:p>
-              </p:txBody>
-            </p:sp>
-          </mc:Choice>
-          <mc:Fallback>
-            <p:sp>
-              <p:nvSpPr>
-                <p:cNvPr id="9" name="Oval 8">
-                  <a:extLst>
-                    <a:ext uri="{FF2B5EF4-FFF2-40B4-BE49-F238E27FC236}">
-                      <a16:creationId xmlns:a16="http://schemas.microsoft.com/office/drawing/2014/main" id="{8199821F-E4B3-6E6D-FCCF-3CE9F3BFB5E4}"/>
-                    </a:ext>
-                  </a:extLst>
-                </p:cNvPr>
-                <p:cNvSpPr>
-                  <a:spLocks noRot="1" noChangeAspect="1" noMove="1" noResize="1" noEditPoints="1" noAdjustHandles="1" noChangeArrowheads="1" noChangeShapeType="1" noTextEdit="1"/>
-                </p:cNvSpPr>
-                <p:nvPr/>
-              </p:nvSpPr>
-              <p:spPr>
-                <a:xfrm>
-                  <a:off x="8859401" y="4985723"/>
-                  <a:ext cx="508000" cy="508000"/>
-                </a:xfrm>
-                <a:prstGeom prst="ellipse">
-                  <a:avLst/>
-                </a:prstGeom>
-                <a:blipFill>
-                  <a:blip r:embed="rId7"/>
-                  <a:stretch>
-                    <a:fillRect/>
-                  </a:stretch>
-                </a:blipFill>
-                <a:ln>
-                  <a:solidFill>
-                    <a:schemeClr val="tx1"/>
-                  </a:solidFill>
-                </a:ln>
-              </p:spPr>
-              <p:txBody>
-                <a:bodyPr/>
-                <a:lstStyle/>
-                <a:p>
-                  <a:r>
-                    <a:rPr lang="en-US">
-                      <a:noFill/>
-                    </a:rPr>
-                    <a:t> </a:t>
-                  </a:r>
-                </a:p>
-              </p:txBody>
-            </p:sp>
-          </mc:Fallback>
-        </mc:AlternateContent>
-        <mc:AlternateContent xmlns:mc="http://schemas.openxmlformats.org/markup-compatibility/2006">
-          <mc:Choice xmlns:a14="http://schemas.microsoft.com/office/drawing/2010/main" Requires="a14">
-            <p:sp>
-              <p:nvSpPr>
-                <p:cNvPr id="10" name="Oval 9">
-                  <a:extLst>
-                    <a:ext uri="{FF2B5EF4-FFF2-40B4-BE49-F238E27FC236}">
-                      <a16:creationId xmlns:a16="http://schemas.microsoft.com/office/drawing/2014/main" id="{D9BA0469-C3F6-6F08-1E3E-053F51985E28}"/>
-                    </a:ext>
-                  </a:extLst>
-                </p:cNvPr>
-                <p:cNvSpPr/>
-                <p:nvPr/>
-              </p:nvSpPr>
-              <p:spPr>
-                <a:xfrm>
-                  <a:off x="9673549" y="4984381"/>
-                  <a:ext cx="508000" cy="508000"/>
-                </a:xfrm>
-                <a:prstGeom prst="ellipse">
-                  <a:avLst/>
-                </a:prstGeom>
-                <a:solidFill>
-                  <a:schemeClr val="accent2">
-                    <a:lumMod val="20000"/>
-                    <a:lumOff val="80000"/>
-                  </a:schemeClr>
-                </a:solidFill>
-                <a:ln>
-                  <a:solidFill>
-                    <a:schemeClr val="tx1"/>
-                  </a:solidFill>
-                </a:ln>
-              </p:spPr>
-              <p:style>
-                <a:lnRef idx="2">
-                  <a:schemeClr val="accent1">
-                    <a:shade val="15000"/>
-                  </a:schemeClr>
-                </a:lnRef>
-                <a:fillRef idx="1">
-                  <a:schemeClr val="accent1"/>
-                </a:fillRef>
-                <a:effectRef idx="0">
-                  <a:schemeClr val="accent1"/>
-                </a:effectRef>
-                <a:fontRef idx="minor">
-                  <a:schemeClr val="lt1"/>
-                </a:fontRef>
-              </p:style>
-              <p:txBody>
-                <a:bodyPr rtlCol="0" anchor="ctr"/>
-                <a:lstStyle/>
-                <a:p>
-                  <a:pPr algn="ctr"/>
-                  <a14:m>
-                    <m:oMathPara xmlns:m="http://schemas.openxmlformats.org/officeDocument/2006/math">
-                      <m:oMathParaPr>
-                        <m:jc m:val="centerGroup"/>
-                      </m:oMathParaPr>
-                      <m:oMath xmlns:m="http://schemas.openxmlformats.org/officeDocument/2006/math">
-                        <m:r>
-                          <a:rPr lang="en-US" b="0" i="1" smtClean="0">
-                            <a:solidFill>
-                              <a:schemeClr val="tx1"/>
-                            </a:solidFill>
-                            <a:latin typeface="Cambria Math" panose="02040503050406030204" pitchFamily="18" charset="0"/>
-                          </a:rPr>
-                          <m:t> </m:t>
-                        </m:r>
-                        <m:sSub>
-                          <m:sSubPr>
-                            <m:ctrlPr>
-                              <a:rPr lang="en-US" b="0" i="1" smtClean="0">
-                                <a:solidFill>
-                                  <a:schemeClr val="tx1"/>
-                                </a:solidFill>
-                                <a:latin typeface="Cambria Math" panose="02040503050406030204" pitchFamily="18" charset="0"/>
-                              </a:rPr>
-                            </m:ctrlPr>
-                          </m:sSubPr>
-                          <m:e>
-                            <m:r>
-                              <a:rPr lang="en-US" b="0" i="1" smtClean="0">
-                                <a:solidFill>
-                                  <a:schemeClr val="tx1"/>
-                                </a:solidFill>
-                                <a:latin typeface="Cambria Math" panose="02040503050406030204" pitchFamily="18" charset="0"/>
-                              </a:rPr>
-                              <m:t>𝑥</m:t>
-                            </m:r>
-                          </m:e>
-                          <m:sub>
-                            <m:r>
-                              <a:rPr lang="en-US" b="0" i="1" smtClean="0">
-                                <a:solidFill>
-                                  <a:schemeClr val="tx1"/>
-                                </a:solidFill>
-                                <a:latin typeface="Cambria Math" panose="02040503050406030204" pitchFamily="18" charset="0"/>
-                              </a:rPr>
-                              <m:t>1</m:t>
-                            </m:r>
-                          </m:sub>
-                        </m:sSub>
-                      </m:oMath>
-                    </m:oMathPara>
-                  </a14:m>
-                  <a:endParaRPr lang="en-US" dirty="0">
-                    <a:solidFill>
-                      <a:schemeClr val="tx1"/>
-                    </a:solidFill>
-                  </a:endParaRPr>
-                </a:p>
-              </p:txBody>
-            </p:sp>
-          </mc:Choice>
-          <mc:Fallback>
-            <p:sp>
-              <p:nvSpPr>
-                <p:cNvPr id="10" name="Oval 9">
-                  <a:extLst>
-                    <a:ext uri="{FF2B5EF4-FFF2-40B4-BE49-F238E27FC236}">
-                      <a16:creationId xmlns:a16="http://schemas.microsoft.com/office/drawing/2014/main" id="{D9BA0469-C3F6-6F08-1E3E-053F51985E28}"/>
-                    </a:ext>
-                  </a:extLst>
-                </p:cNvPr>
-                <p:cNvSpPr>
-                  <a:spLocks noRot="1" noChangeAspect="1" noMove="1" noResize="1" noEditPoints="1" noAdjustHandles="1" noChangeArrowheads="1" noChangeShapeType="1" noTextEdit="1"/>
-                </p:cNvSpPr>
-                <p:nvPr/>
-              </p:nvSpPr>
-              <p:spPr>
-                <a:xfrm>
-                  <a:off x="9673549" y="4984381"/>
-                  <a:ext cx="508000" cy="508000"/>
-                </a:xfrm>
-                <a:prstGeom prst="ellipse">
-                  <a:avLst/>
-                </a:prstGeom>
-                <a:blipFill>
-                  <a:blip r:embed="rId8"/>
-                  <a:stretch>
-                    <a:fillRect/>
-                  </a:stretch>
-                </a:blipFill>
-                <a:ln>
-                  <a:solidFill>
-                    <a:schemeClr val="tx1"/>
-                  </a:solidFill>
-                </a:ln>
-              </p:spPr>
-              <p:txBody>
-                <a:bodyPr/>
-                <a:lstStyle/>
-                <a:p>
-                  <a:r>
-                    <a:rPr lang="en-US">
-                      <a:noFill/>
-                    </a:rPr>
-                    <a:t> </a:t>
-                  </a:r>
-                </a:p>
-              </p:txBody>
-            </p:sp>
-          </mc:Fallback>
-        </mc:AlternateContent>
-        <mc:AlternateContent xmlns:mc="http://schemas.openxmlformats.org/markup-compatibility/2006">
-          <mc:Choice xmlns:a14="http://schemas.microsoft.com/office/drawing/2010/main" Requires="a14">
-            <p:sp>
-              <p:nvSpPr>
-                <p:cNvPr id="11" name="Oval 10">
-                  <a:extLst>
-                    <a:ext uri="{FF2B5EF4-FFF2-40B4-BE49-F238E27FC236}">
-                      <a16:creationId xmlns:a16="http://schemas.microsoft.com/office/drawing/2014/main" id="{F5417BF5-C56C-E401-A52D-F57257669638}"/>
-                    </a:ext>
-                  </a:extLst>
-                </p:cNvPr>
-                <p:cNvSpPr/>
-                <p:nvPr/>
-              </p:nvSpPr>
-              <p:spPr>
-                <a:xfrm>
-                  <a:off x="10449286" y="4998316"/>
-                  <a:ext cx="508000" cy="508000"/>
-                </a:xfrm>
-                <a:prstGeom prst="ellipse">
-                  <a:avLst/>
-                </a:prstGeom>
-                <a:solidFill>
-                  <a:schemeClr val="accent6">
-                    <a:lumMod val="20000"/>
-                    <a:lumOff val="80000"/>
-                  </a:schemeClr>
-                </a:solidFill>
-                <a:ln>
-                  <a:solidFill>
-                    <a:schemeClr val="tx1"/>
-                  </a:solidFill>
-                </a:ln>
-              </p:spPr>
-              <p:style>
-                <a:lnRef idx="2">
-                  <a:schemeClr val="accent1">
-                    <a:shade val="15000"/>
-                  </a:schemeClr>
-                </a:lnRef>
-                <a:fillRef idx="1">
-                  <a:schemeClr val="accent1"/>
-                </a:fillRef>
-                <a:effectRef idx="0">
-                  <a:schemeClr val="accent1"/>
-                </a:effectRef>
-                <a:fontRef idx="minor">
-                  <a:schemeClr val="lt1"/>
-                </a:fontRef>
-              </p:style>
-              <p:txBody>
-                <a:bodyPr lIns="0" tIns="0" rIns="0" bIns="0" rtlCol="0" anchor="ctr"/>
-                <a:lstStyle/>
-                <a:p>
-                  <a:pPr algn="ctr"/>
-                  <a14:m>
-                    <m:oMathPara xmlns:m="http://schemas.openxmlformats.org/officeDocument/2006/math">
-                      <m:oMathParaPr>
-                        <m:jc m:val="centerGroup"/>
-                      </m:oMathParaPr>
-                      <m:oMath xmlns:m="http://schemas.openxmlformats.org/officeDocument/2006/math">
-                        <m:r>
-                          <a:rPr lang="en-US" b="0" i="1" smtClean="0">
-                            <a:solidFill>
-                              <a:schemeClr val="tx1"/>
-                            </a:solidFill>
-                            <a:latin typeface="Cambria Math" panose="02040503050406030204" pitchFamily="18" charset="0"/>
-                          </a:rPr>
-                          <m:t> ×</m:t>
-                        </m:r>
-                      </m:oMath>
-                    </m:oMathPara>
-                  </a14:m>
-                  <a:endParaRPr lang="en-US" dirty="0">
-                    <a:solidFill>
-                      <a:schemeClr val="tx1"/>
-                    </a:solidFill>
-                  </a:endParaRPr>
-                </a:p>
-              </p:txBody>
-            </p:sp>
-          </mc:Choice>
-          <mc:Fallback>
-            <p:sp>
-              <p:nvSpPr>
-                <p:cNvPr id="11" name="Oval 10">
-                  <a:extLst>
-                    <a:ext uri="{FF2B5EF4-FFF2-40B4-BE49-F238E27FC236}">
-                      <a16:creationId xmlns:a16="http://schemas.microsoft.com/office/drawing/2014/main" id="{F5417BF5-C56C-E401-A52D-F57257669638}"/>
-                    </a:ext>
-                  </a:extLst>
-                </p:cNvPr>
-                <p:cNvSpPr>
-                  <a:spLocks noRot="1" noChangeAspect="1" noMove="1" noResize="1" noEditPoints="1" noAdjustHandles="1" noChangeArrowheads="1" noChangeShapeType="1" noTextEdit="1"/>
-                </p:cNvSpPr>
-                <p:nvPr/>
-              </p:nvSpPr>
-              <p:spPr>
-                <a:xfrm>
-                  <a:off x="10449286" y="4998316"/>
-                  <a:ext cx="508000" cy="508000"/>
-                </a:xfrm>
-                <a:prstGeom prst="ellipse">
-                  <a:avLst/>
-                </a:prstGeom>
-                <a:blipFill>
-                  <a:blip r:embed="rId9"/>
-                  <a:stretch>
-                    <a:fillRect/>
-                  </a:stretch>
-                </a:blipFill>
-                <a:ln>
-                  <a:solidFill>
-                    <a:schemeClr val="tx1"/>
-                  </a:solidFill>
-                </a:ln>
-              </p:spPr>
-              <p:txBody>
-                <a:bodyPr/>
-                <a:lstStyle/>
-                <a:p>
-                  <a:r>
-                    <a:rPr lang="en-US">
-                      <a:noFill/>
-                    </a:rPr>
-                    <a:t> </a:t>
-                  </a:r>
-                </a:p>
-              </p:txBody>
-            </p:sp>
-          </mc:Fallback>
-        </mc:AlternateContent>
-        <p:cxnSp>
-          <p:nvCxnSpPr>
-            <p:cNvPr id="13" name="Straight Arrow Connector 12">
-              <a:extLst>
-                <a:ext uri="{FF2B5EF4-FFF2-40B4-BE49-F238E27FC236}">
-                  <a16:creationId xmlns:a16="http://schemas.microsoft.com/office/drawing/2014/main" id="{91E15C62-EF7C-E64F-736F-F6F766D81115}"/>
-                </a:ext>
-              </a:extLst>
-            </p:cNvPr>
-            <p:cNvCxnSpPr>
-              <a:stCxn id="8" idx="0"/>
-              <a:endCxn id="6" idx="3"/>
-            </p:cNvCxnSpPr>
-            <p:nvPr/>
-          </p:nvCxnSpPr>
-          <p:spPr>
-            <a:xfrm flipV="1">
-              <a:off x="8392018" y="4647759"/>
-              <a:ext cx="195013" cy="324029"/>
-            </a:xfrm>
-            <a:prstGeom prst="straightConnector1">
-              <a:avLst/>
-            </a:prstGeom>
-            <a:ln>
-              <a:solidFill>
-                <a:schemeClr val="tx1"/>
-              </a:solidFill>
-              <a:tailEnd type="triangle"/>
-            </a:ln>
-          </p:spPr>
-          <p:style>
-            <a:lnRef idx="1">
-              <a:schemeClr val="accent1"/>
-            </a:lnRef>
-            <a:fillRef idx="0">
-              <a:schemeClr val="accent1"/>
-            </a:fillRef>
-            <a:effectRef idx="0">
-              <a:schemeClr val="accent1"/>
-            </a:effectRef>
-            <a:fontRef idx="minor">
-              <a:schemeClr val="tx1"/>
-            </a:fontRef>
-          </p:style>
-        </p:cxnSp>
-        <p:cxnSp>
-          <p:nvCxnSpPr>
-            <p:cNvPr id="14" name="Straight Arrow Connector 13">
-              <a:extLst>
-                <a:ext uri="{FF2B5EF4-FFF2-40B4-BE49-F238E27FC236}">
-                  <a16:creationId xmlns:a16="http://schemas.microsoft.com/office/drawing/2014/main" id="{912E1040-172D-FD05-5189-D951128C2CE1}"/>
-                </a:ext>
-              </a:extLst>
-            </p:cNvPr>
-            <p:cNvCxnSpPr>
-              <a:cxnSpLocks/>
-              <a:stCxn id="9" idx="0"/>
-              <a:endCxn id="6" idx="5"/>
-            </p:cNvCxnSpPr>
-            <p:nvPr/>
-          </p:nvCxnSpPr>
-          <p:spPr>
-            <a:xfrm flipH="1" flipV="1">
-              <a:off x="8946241" y="4647759"/>
-              <a:ext cx="167160" cy="337964"/>
-            </a:xfrm>
-            <a:prstGeom prst="straightConnector1">
-              <a:avLst/>
-            </a:prstGeom>
-            <a:ln>
-              <a:solidFill>
-                <a:schemeClr val="tx1"/>
-              </a:solidFill>
-              <a:tailEnd type="triangle"/>
-            </a:ln>
-          </p:spPr>
-          <p:style>
-            <a:lnRef idx="1">
-              <a:schemeClr val="accent1"/>
-            </a:lnRef>
-            <a:fillRef idx="0">
-              <a:schemeClr val="accent1"/>
-            </a:fillRef>
-            <a:effectRef idx="0">
-              <a:schemeClr val="accent1"/>
-            </a:effectRef>
-            <a:fontRef idx="minor">
-              <a:schemeClr val="tx1"/>
-            </a:fontRef>
-          </p:style>
-        </p:cxnSp>
-        <p:cxnSp>
-          <p:nvCxnSpPr>
-            <p:cNvPr id="17" name="Straight Arrow Connector 16">
-              <a:extLst>
-                <a:ext uri="{FF2B5EF4-FFF2-40B4-BE49-F238E27FC236}">
-                  <a16:creationId xmlns:a16="http://schemas.microsoft.com/office/drawing/2014/main" id="{D3B9FF8B-ED41-7C85-80A4-17E18A7F5341}"/>
-                </a:ext>
-              </a:extLst>
-            </p:cNvPr>
-            <p:cNvCxnSpPr>
-              <a:cxnSpLocks/>
-              <a:stCxn id="10" idx="0"/>
-              <a:endCxn id="7" idx="3"/>
-            </p:cNvCxnSpPr>
-            <p:nvPr/>
-          </p:nvCxnSpPr>
-          <p:spPr>
-            <a:xfrm flipV="1">
-              <a:off x="9927549" y="4680842"/>
-              <a:ext cx="162527" cy="303539"/>
-            </a:xfrm>
-            <a:prstGeom prst="straightConnector1">
-              <a:avLst/>
-            </a:prstGeom>
-            <a:ln>
-              <a:solidFill>
-                <a:schemeClr val="tx1"/>
-              </a:solidFill>
-              <a:tailEnd type="triangle"/>
-            </a:ln>
-          </p:spPr>
-          <p:style>
-            <a:lnRef idx="1">
-              <a:schemeClr val="accent1"/>
-            </a:lnRef>
-            <a:fillRef idx="0">
-              <a:schemeClr val="accent1"/>
-            </a:fillRef>
-            <a:effectRef idx="0">
-              <a:schemeClr val="accent1"/>
-            </a:effectRef>
-            <a:fontRef idx="minor">
-              <a:schemeClr val="tx1"/>
-            </a:fontRef>
-          </p:style>
-        </p:cxnSp>
-        <p:cxnSp>
-          <p:nvCxnSpPr>
-            <p:cNvPr id="20" name="Straight Arrow Connector 19">
-              <a:extLst>
-                <a:ext uri="{FF2B5EF4-FFF2-40B4-BE49-F238E27FC236}">
-                  <a16:creationId xmlns:a16="http://schemas.microsoft.com/office/drawing/2014/main" id="{6DCE01EF-CA4E-10C3-B3F0-8410595FDBE5}"/>
-                </a:ext>
-              </a:extLst>
-            </p:cNvPr>
-            <p:cNvCxnSpPr>
-              <a:cxnSpLocks/>
-              <a:stCxn id="11" idx="0"/>
-              <a:endCxn id="7" idx="5"/>
-            </p:cNvCxnSpPr>
-            <p:nvPr/>
-          </p:nvCxnSpPr>
-          <p:spPr>
-            <a:xfrm flipH="1" flipV="1">
-              <a:off x="10449286" y="4680842"/>
-              <a:ext cx="254000" cy="317474"/>
-            </a:xfrm>
-            <a:prstGeom prst="straightConnector1">
-              <a:avLst/>
-            </a:prstGeom>
-            <a:ln>
-              <a:solidFill>
-                <a:schemeClr val="tx1"/>
-              </a:solidFill>
-              <a:tailEnd type="triangle"/>
-            </a:ln>
-          </p:spPr>
-          <p:style>
-            <a:lnRef idx="1">
-              <a:schemeClr val="accent1"/>
-            </a:lnRef>
-            <a:fillRef idx="0">
-              <a:schemeClr val="accent1"/>
-            </a:fillRef>
-            <a:effectRef idx="0">
-              <a:schemeClr val="accent1"/>
-            </a:effectRef>
-            <a:fontRef idx="minor">
-              <a:schemeClr val="tx1"/>
-            </a:fontRef>
-          </p:style>
-        </p:cxnSp>
-        <p:cxnSp>
-          <p:nvCxnSpPr>
-            <p:cNvPr id="23" name="Straight Arrow Connector 22">
-              <a:extLst>
-                <a:ext uri="{FF2B5EF4-FFF2-40B4-BE49-F238E27FC236}">
-                  <a16:creationId xmlns:a16="http://schemas.microsoft.com/office/drawing/2014/main" id="{235CAEE8-1C6C-3F85-38F4-519AED75CE53}"/>
-                </a:ext>
-              </a:extLst>
-            </p:cNvPr>
-            <p:cNvCxnSpPr>
-              <a:cxnSpLocks/>
-              <a:stCxn id="6" idx="7"/>
-              <a:endCxn id="5" idx="3"/>
-            </p:cNvCxnSpPr>
-            <p:nvPr/>
-          </p:nvCxnSpPr>
-          <p:spPr>
-            <a:xfrm flipV="1">
-              <a:off x="8946241" y="3955378"/>
-              <a:ext cx="397348" cy="333171"/>
-            </a:xfrm>
-            <a:prstGeom prst="straightConnector1">
-              <a:avLst/>
-            </a:prstGeom>
-            <a:ln>
-              <a:solidFill>
-                <a:schemeClr val="tx1"/>
-              </a:solidFill>
-              <a:tailEnd type="triangle"/>
-            </a:ln>
-          </p:spPr>
-          <p:style>
-            <a:lnRef idx="1">
-              <a:schemeClr val="accent1"/>
-            </a:lnRef>
-            <a:fillRef idx="0">
-              <a:schemeClr val="accent1"/>
-            </a:fillRef>
-            <a:effectRef idx="0">
-              <a:schemeClr val="accent1"/>
-            </a:effectRef>
-            <a:fontRef idx="minor">
-              <a:schemeClr val="tx1"/>
-            </a:fontRef>
-          </p:style>
-        </p:cxnSp>
-        <p:cxnSp>
-          <p:nvCxnSpPr>
-            <p:cNvPr id="26" name="Straight Arrow Connector 25">
-              <a:extLst>
-                <a:ext uri="{FF2B5EF4-FFF2-40B4-BE49-F238E27FC236}">
-                  <a16:creationId xmlns:a16="http://schemas.microsoft.com/office/drawing/2014/main" id="{F033B812-0E89-AE84-F15E-4883C128212C}"/>
-                </a:ext>
-              </a:extLst>
-            </p:cNvPr>
-            <p:cNvCxnSpPr>
-              <a:cxnSpLocks/>
-              <a:stCxn id="7" idx="1"/>
-              <a:endCxn id="5" idx="5"/>
-            </p:cNvCxnSpPr>
-            <p:nvPr/>
-          </p:nvCxnSpPr>
-          <p:spPr>
-            <a:xfrm flipH="1" flipV="1">
-              <a:off x="9702799" y="3955378"/>
-              <a:ext cx="387277" cy="366254"/>
-            </a:xfrm>
-            <a:prstGeom prst="straightConnector1">
-              <a:avLst/>
-            </a:prstGeom>
-            <a:ln>
-              <a:solidFill>
-                <a:schemeClr val="tx1"/>
-              </a:solidFill>
-              <a:tailEnd type="triangle"/>
-            </a:ln>
-          </p:spPr>
-          <p:style>
-            <a:lnRef idx="1">
-              <a:schemeClr val="accent1"/>
-            </a:lnRef>
-            <a:fillRef idx="0">
-              <a:schemeClr val="accent1"/>
-            </a:fillRef>
-            <a:effectRef idx="0">
-              <a:schemeClr val="accent1"/>
-            </a:effectRef>
-            <a:fontRef idx="minor">
-              <a:schemeClr val="tx1"/>
-            </a:fontRef>
-          </p:style>
-        </p:cxnSp>
-        <mc:AlternateContent xmlns:mc="http://schemas.openxmlformats.org/markup-compatibility/2006">
-          <mc:Choice xmlns:a14="http://schemas.microsoft.com/office/drawing/2010/main" Requires="a14">
-            <p:sp>
-              <p:nvSpPr>
-                <p:cNvPr id="15" name="Oval 14">
-                  <a:extLst>
-                    <a:ext uri="{FF2B5EF4-FFF2-40B4-BE49-F238E27FC236}">
-                      <a16:creationId xmlns:a16="http://schemas.microsoft.com/office/drawing/2014/main" id="{6E989E94-7B76-0F4B-21DB-377D1484B4C9}"/>
-                    </a:ext>
-                  </a:extLst>
-                </p:cNvPr>
-                <p:cNvSpPr/>
-                <p:nvPr/>
-              </p:nvSpPr>
-              <p:spPr>
-                <a:xfrm>
-                  <a:off x="10820400" y="5828527"/>
-                  <a:ext cx="508000" cy="508000"/>
-                </a:xfrm>
-                <a:prstGeom prst="ellipse">
-                  <a:avLst/>
-                </a:prstGeom>
-                <a:solidFill>
-                  <a:schemeClr val="accent2">
-                    <a:lumMod val="20000"/>
-                    <a:lumOff val="80000"/>
-                  </a:schemeClr>
-                </a:solidFill>
-                <a:ln>
-                  <a:solidFill>
-                    <a:schemeClr val="tx1"/>
-                  </a:solidFill>
-                </a:ln>
-              </p:spPr>
-              <p:style>
-                <a:lnRef idx="2">
-                  <a:schemeClr val="accent1">
-                    <a:shade val="15000"/>
-                  </a:schemeClr>
-                </a:lnRef>
-                <a:fillRef idx="1">
-                  <a:schemeClr val="accent1"/>
-                </a:fillRef>
-                <a:effectRef idx="0">
-                  <a:schemeClr val="accent1"/>
-                </a:effectRef>
-                <a:fontRef idx="minor">
-                  <a:schemeClr val="lt1"/>
-                </a:fontRef>
-              </p:style>
-              <p:txBody>
-                <a:bodyPr rtlCol="0" anchor="ctr"/>
-                <a:lstStyle/>
-                <a:p>
-                  <a:pPr algn="ctr"/>
-                  <a14:m>
-                    <m:oMathPara xmlns:m="http://schemas.openxmlformats.org/officeDocument/2006/math">
-                      <m:oMathParaPr>
-                        <m:jc m:val="centerGroup"/>
-                      </m:oMathParaPr>
-                      <m:oMath xmlns:m="http://schemas.openxmlformats.org/officeDocument/2006/math">
-                        <m:r>
-                          <a:rPr lang="en-US" b="0" i="1" smtClean="0">
-                            <a:solidFill>
-                              <a:schemeClr val="tx1"/>
-                            </a:solidFill>
-                            <a:latin typeface="Cambria Math" panose="02040503050406030204" pitchFamily="18" charset="0"/>
-                          </a:rPr>
-                          <m:t> </m:t>
-                        </m:r>
-                        <m:sSub>
-                          <m:sSubPr>
-                            <m:ctrlPr>
-                              <a:rPr lang="en-US" b="0" i="1" smtClean="0">
-                                <a:solidFill>
-                                  <a:schemeClr val="tx1"/>
-                                </a:solidFill>
-                                <a:latin typeface="Cambria Math" panose="02040503050406030204" pitchFamily="18" charset="0"/>
-                              </a:rPr>
-                            </m:ctrlPr>
-                          </m:sSubPr>
-                          <m:e>
-                            <m:r>
-                              <a:rPr lang="en-US" b="0" i="1" smtClean="0">
-                                <a:solidFill>
-                                  <a:schemeClr val="tx1"/>
-                                </a:solidFill>
-                                <a:latin typeface="Cambria Math" panose="02040503050406030204" pitchFamily="18" charset="0"/>
-                              </a:rPr>
-                              <m:t>𝑥</m:t>
-                            </m:r>
-                          </m:e>
-                          <m:sub>
-                            <m:r>
-                              <a:rPr lang="en-US" b="0" i="1" smtClean="0">
-                                <a:solidFill>
-                                  <a:schemeClr val="tx1"/>
-                                </a:solidFill>
-                                <a:latin typeface="Cambria Math" panose="02040503050406030204" pitchFamily="18" charset="0"/>
-                              </a:rPr>
-                              <m:t>2</m:t>
-                            </m:r>
-                          </m:sub>
-                        </m:sSub>
-                      </m:oMath>
-                    </m:oMathPara>
-                  </a14:m>
-                  <a:endParaRPr lang="en-US" dirty="0">
-                    <a:solidFill>
-                      <a:schemeClr val="tx1"/>
-                    </a:solidFill>
-                  </a:endParaRPr>
-                </a:p>
-              </p:txBody>
-            </p:sp>
-          </mc:Choice>
-          <mc:Fallback>
-            <p:sp>
-              <p:nvSpPr>
-                <p:cNvPr id="15" name="Oval 14">
-                  <a:extLst>
-                    <a:ext uri="{FF2B5EF4-FFF2-40B4-BE49-F238E27FC236}">
-                      <a16:creationId xmlns:a16="http://schemas.microsoft.com/office/drawing/2014/main" id="{6E989E94-7B76-0F4B-21DB-377D1484B4C9}"/>
-                    </a:ext>
-                  </a:extLst>
-                </p:cNvPr>
-                <p:cNvSpPr>
-                  <a:spLocks noRot="1" noChangeAspect="1" noMove="1" noResize="1" noEditPoints="1" noAdjustHandles="1" noChangeArrowheads="1" noChangeShapeType="1" noTextEdit="1"/>
-                </p:cNvSpPr>
-                <p:nvPr/>
-              </p:nvSpPr>
-              <p:spPr>
-                <a:xfrm>
-                  <a:off x="10820400" y="5828527"/>
-                  <a:ext cx="508000" cy="508000"/>
-                </a:xfrm>
-                <a:prstGeom prst="ellipse">
-                  <a:avLst/>
-                </a:prstGeom>
-                <a:blipFill>
-                  <a:blip r:embed="rId10"/>
-                  <a:stretch>
-                    <a:fillRect/>
-                  </a:stretch>
-                </a:blipFill>
-                <a:ln>
-                  <a:solidFill>
-                    <a:schemeClr val="tx1"/>
-                  </a:solidFill>
-                </a:ln>
-              </p:spPr>
-              <p:txBody>
-                <a:bodyPr/>
-                <a:lstStyle/>
-                <a:p>
-                  <a:r>
-                    <a:rPr lang="en-US">
-                      <a:noFill/>
-                    </a:rPr>
-                    <a:t> </a:t>
-                  </a:r>
-                </a:p>
-              </p:txBody>
-            </p:sp>
-          </mc:Fallback>
-        </mc:AlternateContent>
-        <mc:AlternateContent xmlns:mc="http://schemas.openxmlformats.org/markup-compatibility/2006">
-          <mc:Choice xmlns:a14="http://schemas.microsoft.com/office/drawing/2010/main" Requires="a14">
-            <p:sp>
-              <p:nvSpPr>
-                <p:cNvPr id="22" name="Oval 21">
-                  <a:extLst>
-                    <a:ext uri="{FF2B5EF4-FFF2-40B4-BE49-F238E27FC236}">
-                      <a16:creationId xmlns:a16="http://schemas.microsoft.com/office/drawing/2014/main" id="{8DAC5C7A-DAB8-D5F0-C6FB-FE5B96CD2CCD}"/>
-                    </a:ext>
-                  </a:extLst>
-                </p:cNvPr>
-                <p:cNvSpPr/>
-                <p:nvPr/>
-              </p:nvSpPr>
-              <p:spPr>
-                <a:xfrm>
-                  <a:off x="10090076" y="5839526"/>
-                  <a:ext cx="508000" cy="508000"/>
-                </a:xfrm>
-                <a:prstGeom prst="ellipse">
-                  <a:avLst/>
-                </a:prstGeom>
-                <a:solidFill>
-                  <a:schemeClr val="accent2">
-                    <a:lumMod val="20000"/>
-                    <a:lumOff val="80000"/>
-                  </a:schemeClr>
-                </a:solidFill>
-                <a:ln>
-                  <a:solidFill>
-                    <a:schemeClr val="tx1"/>
-                  </a:solidFill>
-                </a:ln>
-              </p:spPr>
-              <p:style>
-                <a:lnRef idx="2">
-                  <a:schemeClr val="accent1">
-                    <a:shade val="15000"/>
-                  </a:schemeClr>
-                </a:lnRef>
-                <a:fillRef idx="1">
-                  <a:schemeClr val="accent1"/>
-                </a:fillRef>
-                <a:effectRef idx="0">
-                  <a:schemeClr val="accent1"/>
-                </a:effectRef>
-                <a:fontRef idx="minor">
-                  <a:schemeClr val="lt1"/>
-                </a:fontRef>
-              </p:style>
-              <p:txBody>
-                <a:bodyPr rtlCol="0" anchor="ctr"/>
-                <a:lstStyle/>
-                <a:p>
-                  <a:pPr algn="ctr"/>
-                  <a14:m>
-                    <m:oMathPara xmlns:m="http://schemas.openxmlformats.org/officeDocument/2006/math">
-                      <m:oMathParaPr>
-                        <m:jc m:val="centerGroup"/>
-                      </m:oMathParaPr>
-                      <m:oMath xmlns:m="http://schemas.openxmlformats.org/officeDocument/2006/math">
-                        <m:r>
-                          <a:rPr lang="en-US" b="0" i="1" smtClean="0">
-                            <a:solidFill>
-                              <a:schemeClr val="tx1"/>
-                            </a:solidFill>
-                            <a:latin typeface="Cambria Math" panose="02040503050406030204" pitchFamily="18" charset="0"/>
-                          </a:rPr>
-                          <m:t> −</m:t>
-                        </m:r>
-                        <m:r>
-                          <a:rPr lang="en-US" b="0" i="1" smtClean="0">
-                            <a:solidFill>
-                              <a:schemeClr val="tx1"/>
-                            </a:solidFill>
-                            <a:latin typeface="Cambria Math" panose="02040503050406030204" pitchFamily="18" charset="0"/>
-                          </a:rPr>
-                          <m:t>1</m:t>
-                        </m:r>
-                      </m:oMath>
-                    </m:oMathPara>
-                  </a14:m>
-                  <a:endParaRPr lang="en-US" dirty="0">
-                    <a:solidFill>
-                      <a:schemeClr val="tx1"/>
-                    </a:solidFill>
-                  </a:endParaRPr>
-                </a:p>
-              </p:txBody>
-            </p:sp>
-          </mc:Choice>
-          <mc:Fallback>
-            <p:sp>
-              <p:nvSpPr>
-                <p:cNvPr id="22" name="Oval 21">
-                  <a:extLst>
-                    <a:ext uri="{FF2B5EF4-FFF2-40B4-BE49-F238E27FC236}">
-                      <a16:creationId xmlns:a16="http://schemas.microsoft.com/office/drawing/2014/main" id="{8DAC5C7A-DAB8-D5F0-C6FB-FE5B96CD2CCD}"/>
-                    </a:ext>
-                  </a:extLst>
-                </p:cNvPr>
-                <p:cNvSpPr>
-                  <a:spLocks noRot="1" noChangeAspect="1" noMove="1" noResize="1" noEditPoints="1" noAdjustHandles="1" noChangeArrowheads="1" noChangeShapeType="1" noTextEdit="1"/>
-                </p:cNvSpPr>
-                <p:nvPr/>
-              </p:nvSpPr>
-              <p:spPr>
-                <a:xfrm>
-                  <a:off x="10090076" y="5839526"/>
-                  <a:ext cx="508000" cy="508000"/>
-                </a:xfrm>
-                <a:prstGeom prst="ellipse">
-                  <a:avLst/>
-                </a:prstGeom>
-                <a:blipFill>
-                  <a:blip r:embed="rId11"/>
-                  <a:stretch>
-                    <a:fillRect/>
-                  </a:stretch>
-                </a:blipFill>
-                <a:ln>
-                  <a:solidFill>
-                    <a:schemeClr val="tx1"/>
-                  </a:solidFill>
-                </a:ln>
-              </p:spPr>
-              <p:txBody>
-                <a:bodyPr/>
-                <a:lstStyle/>
-                <a:p>
-                  <a:r>
-                    <a:rPr lang="en-US">
-                      <a:noFill/>
-                    </a:rPr>
-                    <a:t> </a:t>
-                  </a:r>
-                </a:p>
-              </p:txBody>
-            </p:sp>
-          </mc:Fallback>
-        </mc:AlternateContent>
-        <p:cxnSp>
-          <p:nvCxnSpPr>
-            <p:cNvPr id="24" name="Straight Arrow Connector 23">
-              <a:extLst>
-                <a:ext uri="{FF2B5EF4-FFF2-40B4-BE49-F238E27FC236}">
-                  <a16:creationId xmlns:a16="http://schemas.microsoft.com/office/drawing/2014/main" id="{84154904-1988-26DC-4C2F-066B76469A6B}"/>
-                </a:ext>
-              </a:extLst>
-            </p:cNvPr>
-            <p:cNvCxnSpPr>
-              <a:cxnSpLocks/>
-              <a:stCxn id="22" idx="0"/>
-              <a:endCxn id="11" idx="3"/>
-            </p:cNvCxnSpPr>
-            <p:nvPr/>
-          </p:nvCxnSpPr>
-          <p:spPr>
-            <a:xfrm flipV="1">
-              <a:off x="10344076" y="5431921"/>
-              <a:ext cx="179605" cy="407605"/>
-            </a:xfrm>
-            <a:prstGeom prst="straightConnector1">
-              <a:avLst/>
-            </a:prstGeom>
-            <a:ln>
-              <a:solidFill>
-                <a:schemeClr val="tx1"/>
-              </a:solidFill>
-              <a:tailEnd type="triangle"/>
-            </a:ln>
-          </p:spPr>
-          <p:style>
-            <a:lnRef idx="1">
-              <a:schemeClr val="accent1"/>
-            </a:lnRef>
-            <a:fillRef idx="0">
-              <a:schemeClr val="accent1"/>
-            </a:fillRef>
-            <a:effectRef idx="0">
-              <a:schemeClr val="accent1"/>
-            </a:effectRef>
-            <a:fontRef idx="minor">
-              <a:schemeClr val="tx1"/>
-            </a:fontRef>
-          </p:style>
-        </p:cxnSp>
-        <p:cxnSp>
-          <p:nvCxnSpPr>
-            <p:cNvPr id="28" name="Straight Arrow Connector 27">
-              <a:extLst>
-                <a:ext uri="{FF2B5EF4-FFF2-40B4-BE49-F238E27FC236}">
-                  <a16:creationId xmlns:a16="http://schemas.microsoft.com/office/drawing/2014/main" id="{671B5CE2-CE51-3D3D-1DEC-80058E87AE31}"/>
-                </a:ext>
-              </a:extLst>
-            </p:cNvPr>
-            <p:cNvCxnSpPr>
-              <a:cxnSpLocks/>
-              <a:stCxn id="15" idx="0"/>
-              <a:endCxn id="11" idx="5"/>
-            </p:cNvCxnSpPr>
-            <p:nvPr/>
-          </p:nvCxnSpPr>
-          <p:spPr>
-            <a:xfrm flipH="1" flipV="1">
-              <a:off x="10882891" y="5431921"/>
-              <a:ext cx="191509" cy="396606"/>
-            </a:xfrm>
-            <a:prstGeom prst="straightConnector1">
-              <a:avLst/>
-            </a:prstGeom>
-            <a:ln>
-              <a:solidFill>
-                <a:schemeClr val="tx1"/>
-              </a:solidFill>
-              <a:tailEnd type="triangle"/>
-            </a:ln>
-          </p:spPr>
-          <p:style>
-            <a:lnRef idx="1">
-              <a:schemeClr val="accent1"/>
-            </a:lnRef>
-            <a:fillRef idx="0">
-              <a:schemeClr val="accent1"/>
-            </a:fillRef>
-            <a:effectRef idx="0">
-              <a:schemeClr val="accent1"/>
-            </a:effectRef>
-            <a:fontRef idx="minor">
-              <a:schemeClr val="tx1"/>
-            </a:fontRef>
-          </p:style>
-        </p:cxnSp>
-      </p:grpSp>
-    </p:spTree>
-    <p:extLst>
-      <p:ext uri="{BB962C8B-B14F-4D97-AF65-F5344CB8AC3E}">
-        <p14:creationId xmlns:p14="http://schemas.microsoft.com/office/powerpoint/2010/main" val="2371268058"/>
-      </p:ext>
-    </p:extLst>
-  </p:cSld>
-  <p:clrMapOvr>
-    <a:masterClrMapping/>
-  </p:clrMapOvr>
-  <p:timing>
-    <p:tnLst>
-      <p:par>
-        <p:cTn id="1" dur="indefinite" restart="never" nodeType="tmRoot">
-          <p:childTnLst>
-            <p:seq concurrent="1" nextAc="seek">
-              <p:cTn id="2" dur="indefinite" nodeType="mainSeq">
-                <p:childTnLst>
-                  <p:par>
-                    <p:cTn id="3" fill="hold">
-                      <p:stCondLst>
-                        <p:cond delay="indefinite"/>
-                      </p:stCondLst>
-                      <p:childTnLst>
-                        <p:par>
-                          <p:cTn id="4" fill="hold">
-                            <p:stCondLst>
-                              <p:cond delay="0"/>
-                            </p:stCondLst>
-                            <p:childTnLst>
-                              <p:par>
-                                <p:cTn id="5" presetID="1" presetClass="entr" presetSubtype="0" fill="hold" grpId="0" nodeType="clickEffect">
-                                  <p:stCondLst>
-                                    <p:cond delay="0"/>
-                                  </p:stCondLst>
-                                  <p:childTnLst>
-                                    <p:set>
-                                      <p:cBhvr>
-                                        <p:cTn id="6" dur="1" fill="hold">
-                                          <p:stCondLst>
-                                            <p:cond delay="0"/>
-                                          </p:stCondLst>
-                                        </p:cTn>
-                                        <p:tgtEl>
-                                          <p:spTgt spid="3">
-                                            <p:txEl>
-                                              <p:pRg st="0" end="0"/>
-                                            </p:txEl>
-                                          </p:spTgt>
-                                        </p:tgtEl>
-                                        <p:attrNameLst>
-                                          <p:attrName>style.visibility</p:attrName>
-                                        </p:attrNameLst>
-                                      </p:cBhvr>
-                                      <p:to>
-                                        <p:strVal val="visible"/>
-                                      </p:to>
-                                    </p:set>
-                                  </p:childTnLst>
-                                </p:cTn>
-                              </p:par>
-                              <p:par>
-                                <p:cTn id="7" presetID="1" presetClass="entr" presetSubtype="0" fill="hold" nodeType="withEffect">
-                                  <p:stCondLst>
-                                    <p:cond delay="0"/>
-                                  </p:stCondLst>
-                                  <p:childTnLst>
-                                    <p:set>
-                                      <p:cBhvr>
-                                        <p:cTn id="8" dur="1" fill="hold">
-                                          <p:stCondLst>
-                                            <p:cond delay="0"/>
-                                          </p:stCondLst>
-                                        </p:cTn>
-                                        <p:tgtEl>
-                                          <p:spTgt spid="51"/>
-                                        </p:tgtEl>
-                                        <p:attrNameLst>
-                                          <p:attrName>style.visibility</p:attrName>
-                                        </p:attrNameLst>
-                                      </p:cBhvr>
-                                      <p:to>
-                                        <p:strVal val="visible"/>
-                                      </p:to>
-                                    </p:set>
-                                  </p:childTnLst>
-                                </p:cTn>
-                              </p:par>
-                            </p:childTnLst>
-                          </p:cTn>
-                        </p:par>
-                      </p:childTnLst>
-                    </p:cTn>
-                  </p:par>
-                  <p:par>
-                    <p:cTn id="9" fill="hold">
-                      <p:stCondLst>
-                        <p:cond delay="indefinite"/>
-                      </p:stCondLst>
-                      <p:childTnLst>
-                        <p:par>
-                          <p:cTn id="10" fill="hold">
-                            <p:stCondLst>
-                              <p:cond delay="0"/>
-                            </p:stCondLst>
-                            <p:childTnLst>
-                              <p:par>
-                                <p:cTn id="11" presetID="1" presetClass="entr" presetSubtype="0" fill="hold" grpId="0" nodeType="clickEffect">
-                                  <p:stCondLst>
-                                    <p:cond delay="0"/>
-                                  </p:stCondLst>
-                                  <p:childTnLst>
-                                    <p:set>
-                                      <p:cBhvr>
-                                        <p:cTn id="12" dur="1" fill="hold">
-                                          <p:stCondLst>
-                                            <p:cond delay="0"/>
-                                          </p:stCondLst>
-                                        </p:cTn>
-                                        <p:tgtEl>
-                                          <p:spTgt spid="3">
-                                            <p:txEl>
-                                              <p:pRg st="1" end="1"/>
-                                            </p:txEl>
-                                          </p:spTgt>
-                                        </p:tgtEl>
-                                        <p:attrNameLst>
-                                          <p:attrName>style.visibility</p:attrName>
-                                        </p:attrNameLst>
-                                      </p:cBhvr>
-                                      <p:to>
-                                        <p:strVal val="visible"/>
-                                      </p:to>
-                                    </p:set>
-                                  </p:childTnLst>
-                                </p:cTn>
-                              </p:par>
-                            </p:childTnLst>
-                          </p:cTn>
-                        </p:par>
-                      </p:childTnLst>
-                    </p:cTn>
-                  </p:par>
-                  <p:par>
-                    <p:cTn id="13" fill="hold">
-                      <p:stCondLst>
-                        <p:cond delay="indefinite"/>
-                      </p:stCondLst>
-                      <p:childTnLst>
-                        <p:par>
-                          <p:cTn id="14" fill="hold">
-                            <p:stCondLst>
-                              <p:cond delay="0"/>
-                            </p:stCondLst>
-                            <p:childTnLst>
-                              <p:par>
-                                <p:cTn id="15" presetID="1" presetClass="entr" presetSubtype="0" fill="hold" grpId="0" nodeType="clickEffect">
-                                  <p:stCondLst>
-                                    <p:cond delay="0"/>
-                                  </p:stCondLst>
-                                  <p:childTnLst>
-                                    <p:set>
-                                      <p:cBhvr>
-                                        <p:cTn id="16" dur="1" fill="hold">
-                                          <p:stCondLst>
-                                            <p:cond delay="0"/>
-                                          </p:stCondLst>
-                                        </p:cTn>
-                                        <p:tgtEl>
-                                          <p:spTgt spid="3">
-                                            <p:txEl>
-                                              <p:pRg st="2" end="2"/>
-                                            </p:txEl>
-                                          </p:spTgt>
-                                        </p:tgtEl>
-                                        <p:attrNameLst>
-                                          <p:attrName>style.visibility</p:attrName>
-                                        </p:attrNameLst>
-                                      </p:cBhvr>
-                                      <p:to>
-                                        <p:strVal val="visible"/>
-                                      </p:to>
-                                    </p:set>
-                                  </p:childTnLst>
-                                </p:cTn>
-                              </p:par>
-                            </p:childTnLst>
-                          </p:cTn>
-                        </p:par>
-                      </p:childTnLst>
-                    </p:cTn>
-                  </p:par>
-                  <p:par>
-                    <p:cTn id="17" fill="hold">
-                      <p:stCondLst>
-                        <p:cond delay="indefinite"/>
-                      </p:stCondLst>
-                      <p:childTnLst>
-                        <p:par>
-                          <p:cTn id="18" fill="hold">
-                            <p:stCondLst>
-                              <p:cond delay="0"/>
-                            </p:stCondLst>
-                            <p:childTnLst>
-                              <p:par>
-                                <p:cTn id="19" presetID="1" presetClass="entr" presetSubtype="0" fill="hold" grpId="0" nodeType="clickEffect">
-                                  <p:stCondLst>
-                                    <p:cond delay="0"/>
-                                  </p:stCondLst>
-                                  <p:childTnLst>
-                                    <p:set>
-                                      <p:cBhvr>
-                                        <p:cTn id="20" dur="1" fill="hold">
-                                          <p:stCondLst>
-                                            <p:cond delay="0"/>
-                                          </p:stCondLst>
-                                        </p:cTn>
-                                        <p:tgtEl>
-                                          <p:spTgt spid="3">
-                                            <p:txEl>
-                                              <p:pRg st="3" end="3"/>
-                                            </p:txEl>
-                                          </p:spTgt>
-                                        </p:tgtEl>
-                                        <p:attrNameLst>
-                                          <p:attrName>style.visibility</p:attrName>
-                                        </p:attrNameLst>
-                                      </p:cBhvr>
-                                      <p:to>
-                                        <p:strVal val="visible"/>
-                                      </p:to>
-                                    </p:set>
-                                  </p:childTnLst>
-                                </p:cTn>
-                              </p:par>
-                            </p:childTnLst>
-                          </p:cTn>
-                        </p:par>
-                      </p:childTnLst>
-                    </p:cTn>
-                  </p:par>
-                  <p:par>
-                    <p:cTn id="21" fill="hold">
-                      <p:stCondLst>
-                        <p:cond delay="indefinite"/>
-                      </p:stCondLst>
-                      <p:childTnLst>
-                        <p:par>
-                          <p:cTn id="22" fill="hold">
-                            <p:stCondLst>
-                              <p:cond delay="0"/>
-                            </p:stCondLst>
-                            <p:childTnLst>
-                              <p:par>
-                                <p:cTn id="23" presetID="1" presetClass="entr" presetSubtype="0" fill="hold" grpId="0" nodeType="clickEffect">
-                                  <p:stCondLst>
-                                    <p:cond delay="0"/>
-                                  </p:stCondLst>
-                                  <p:childTnLst>
-                                    <p:set>
-                                      <p:cBhvr>
-                                        <p:cTn id="24" dur="1" fill="hold">
-                                          <p:stCondLst>
-                                            <p:cond delay="0"/>
-                                          </p:stCondLst>
-                                        </p:cTn>
-                                        <p:tgtEl>
-                                          <p:spTgt spid="3">
-                                            <p:txEl>
-                                              <p:pRg st="4" end="4"/>
-                                            </p:txEl>
-                                          </p:spTgt>
-                                        </p:tgtEl>
-                                        <p:attrNameLst>
-                                          <p:attrName>style.visibility</p:attrName>
-                                        </p:attrNameLst>
-                                      </p:cBhvr>
-                                      <p:to>
-                                        <p:strVal val="visible"/>
-                                      </p:to>
-                                    </p:set>
-                                  </p:childTnLst>
-                                </p:cTn>
-                              </p:par>
-                            </p:childTnLst>
-                          </p:cTn>
-                        </p:par>
-                      </p:childTnLst>
-                    </p:cTn>
-                  </p:par>
-                </p:childTnLst>
-              </p:cTn>
-              <p:prevCondLst>
-                <p:cond evt="onPrev" delay="0">
-                  <p:tgtEl>
-                    <p:sldTgt/>
-                  </p:tgtEl>
-                </p:cond>
-              </p:prevCondLst>
-              <p:nextCondLst>
-                <p:cond evt="onNext" delay="0">
-                  <p:tgtEl>
-                    <p:sldTgt/>
-                  </p:tgtEl>
-                </p:cond>
-              </p:nextCondLst>
-            </p:seq>
-          </p:childTnLst>
-        </p:cTn>
-      </p:par>
-    </p:tnLst>
-    <p:bldLst>
-      <p:bldP spid="3" grpId="0" uiExpand="1" build="p"/>
-    </p:bldLst>
-  </p:timing>
-</p:sld>
-</file>
-
-<file path=ppt/slides/slide21.xml><?xml version="1.0" encoding="utf-8"?>
-<p:sld xmlns:a="http://schemas.openxmlformats.org/drawingml/2006/main" xmlns:r="http://schemas.openxmlformats.org/officeDocument/2006/relationships" xmlns:p="http://schemas.openxmlformats.org/presentationml/2006/main" showMasterPhAnim="0">
-  <p:cSld>
-    <p:spTree>
-      <p:nvGrpSpPr>
         <p:cNvPr id="1" name="">
           <a:extLst>
             <a:ext uri="{FF2B5EF4-FFF2-40B4-BE49-F238E27FC236}">
@@ -18695,7 +16032,7 @@
             <a:fld id="{4B61B20D-9436-4192-BF4B-8FB3BEF1787F}" type="slidenum">
               <a:rPr lang="en-US" smtClean="0"/>
               <a:pPr/>
-              <a:t>21</a:t>
+              <a:t>20</a:t>
             </a:fld>
             <a:endParaRPr lang="en-US" dirty="0"/>
           </a:p>
@@ -20740,7 +18077,7 @@
 </p:sld>
 </file>
 
-<file path=ppt/slides/slide22.xml><?xml version="1.0" encoding="utf-8"?>
+<file path=ppt/slides/slide21.xml><?xml version="1.0" encoding="utf-8"?>
 <p:sld xmlns:a="http://schemas.openxmlformats.org/drawingml/2006/main" xmlns:r="http://schemas.openxmlformats.org/officeDocument/2006/relationships" xmlns:p="http://schemas.openxmlformats.org/presentationml/2006/main">
   <p:cSld>
     <p:spTree>
@@ -21183,7 +18520,7 @@
             <a:fld id="{4B61B20D-9436-4192-BF4B-8FB3BEF1787F}" type="slidenum">
               <a:rPr lang="en-US" smtClean="0"/>
               <a:pPr/>
-              <a:t>22</a:t>
+              <a:t>21</a:t>
             </a:fld>
             <a:endParaRPr lang="en-US" dirty="0"/>
           </a:p>
@@ -22939,7 +20276,7 @@
 </p:sld>
 </file>
 
-<file path=ppt/slides/slide23.xml><?xml version="1.0" encoding="utf-8"?>
+<file path=ppt/slides/slide22.xml><?xml version="1.0" encoding="utf-8"?>
 <p:sld xmlns:a="http://schemas.openxmlformats.org/drawingml/2006/main" xmlns:r="http://schemas.openxmlformats.org/officeDocument/2006/relationships" xmlns:p="http://schemas.openxmlformats.org/presentationml/2006/main">
   <p:cSld>
     <p:spTree>
@@ -24969,7 +22306,7 @@
             <a:fld id="{4B61B20D-9436-4192-BF4B-8FB3BEF1787F}" type="slidenum">
               <a:rPr lang="en-US" smtClean="0"/>
               <a:pPr/>
-              <a:t>23</a:t>
+              <a:t>22</a:t>
             </a:fld>
             <a:endParaRPr lang="en-US" dirty="0"/>
           </a:p>
@@ -24988,7 +22325,7 @@
 </p:sld>
 </file>
 
-<file path=ppt/slides/slide24.xml><?xml version="1.0" encoding="utf-8"?>
+<file path=ppt/slides/slide23.xml><?xml version="1.0" encoding="utf-8"?>
 <p:sld xmlns:a="http://schemas.openxmlformats.org/drawingml/2006/main" xmlns:r="http://schemas.openxmlformats.org/officeDocument/2006/relationships" xmlns:p="http://schemas.openxmlformats.org/presentationml/2006/main" showMasterPhAnim="0">
   <p:cSld>
     <p:spTree>
@@ -25446,7 +22783,7 @@
             <a:fld id="{4B61B20D-9436-4192-BF4B-8FB3BEF1787F}" type="slidenum">
               <a:rPr lang="en-US" smtClean="0"/>
               <a:pPr/>
-              <a:t>24</a:t>
+              <a:t>23</a:t>
             </a:fld>
             <a:endParaRPr lang="en-US" dirty="0"/>
           </a:p>
@@ -25694,7 +23031,7 @@
 </p:sld>
 </file>
 
-<file path=ppt/slides/slide25.xml><?xml version="1.0" encoding="utf-8"?>
+<file path=ppt/slides/slide24.xml><?xml version="1.0" encoding="utf-8"?>
 <p:sld xmlns:a="http://schemas.openxmlformats.org/drawingml/2006/main" xmlns:r="http://schemas.openxmlformats.org/officeDocument/2006/relationships" xmlns:p="http://schemas.openxmlformats.org/presentationml/2006/main" showMasterPhAnim="0">
   <p:cSld>
     <p:spTree>
@@ -25944,7 +23281,7 @@
             <a:fld id="{4B61B20D-9436-4192-BF4B-8FB3BEF1787F}" type="slidenum">
               <a:rPr lang="en-US" smtClean="0"/>
               <a:pPr/>
-              <a:t>25</a:t>
+              <a:t>24</a:t>
             </a:fld>
             <a:endParaRPr lang="en-US" dirty="0"/>
           </a:p>
